--- a/Intro to Rstudio/RStudio_intro.pptx
+++ b/Intro to Rstudio/RStudio_intro.pptx
@@ -20,6 +20,7 @@
     <p:sldId id="268" r:id="rId14"/>
     <p:sldId id="269" r:id="rId15"/>
     <p:sldId id="270" r:id="rId16"/>
+    <p:sldId id="271" r:id="rId17"/>
   </p:sldIdLst>
   <p:sldSz cx="9144000" cy="6858000" type="screen4x3"/>
   <p:notesSz cx="6858000" cy="9144000"/>
@@ -257,7 +258,7 @@
           <a:p>
             <a:fld id="{F6B75C2D-8946-494C-BE2F-E2999171E32C}" type="datetimeFigureOut">
               <a:rPr lang="en-GB" smtClean="0"/>
-              <a:t>14/02/2020</a:t>
+              <a:t>16/02/2020</a:t>
             </a:fld>
             <a:endParaRPr lang="en-GB"/>
           </a:p>
@@ -427,7 +428,7 @@
           <a:p>
             <a:fld id="{F6B75C2D-8946-494C-BE2F-E2999171E32C}" type="datetimeFigureOut">
               <a:rPr lang="en-GB" smtClean="0"/>
-              <a:t>14/02/2020</a:t>
+              <a:t>16/02/2020</a:t>
             </a:fld>
             <a:endParaRPr lang="en-GB"/>
           </a:p>
@@ -607,7 +608,7 @@
           <a:p>
             <a:fld id="{F6B75C2D-8946-494C-BE2F-E2999171E32C}" type="datetimeFigureOut">
               <a:rPr lang="en-GB" smtClean="0"/>
-              <a:t>14/02/2020</a:t>
+              <a:t>16/02/2020</a:t>
             </a:fld>
             <a:endParaRPr lang="en-GB"/>
           </a:p>
@@ -777,7 +778,7 @@
           <a:p>
             <a:fld id="{F6B75C2D-8946-494C-BE2F-E2999171E32C}" type="datetimeFigureOut">
               <a:rPr lang="en-GB" smtClean="0"/>
-              <a:t>14/02/2020</a:t>
+              <a:t>16/02/2020</a:t>
             </a:fld>
             <a:endParaRPr lang="en-GB"/>
           </a:p>
@@ -1021,7 +1022,7 @@
           <a:p>
             <a:fld id="{F6B75C2D-8946-494C-BE2F-E2999171E32C}" type="datetimeFigureOut">
               <a:rPr lang="en-GB" smtClean="0"/>
-              <a:t>14/02/2020</a:t>
+              <a:t>16/02/2020</a:t>
             </a:fld>
             <a:endParaRPr lang="en-GB"/>
           </a:p>
@@ -1253,7 +1254,7 @@
           <a:p>
             <a:fld id="{F6B75C2D-8946-494C-BE2F-E2999171E32C}" type="datetimeFigureOut">
               <a:rPr lang="en-GB" smtClean="0"/>
-              <a:t>14/02/2020</a:t>
+              <a:t>16/02/2020</a:t>
             </a:fld>
             <a:endParaRPr lang="en-GB"/>
           </a:p>
@@ -1620,7 +1621,7 @@
           <a:p>
             <a:fld id="{F6B75C2D-8946-494C-BE2F-E2999171E32C}" type="datetimeFigureOut">
               <a:rPr lang="en-GB" smtClean="0"/>
-              <a:t>14/02/2020</a:t>
+              <a:t>16/02/2020</a:t>
             </a:fld>
             <a:endParaRPr lang="en-GB"/>
           </a:p>
@@ -1738,7 +1739,7 @@
           <a:p>
             <a:fld id="{F6B75C2D-8946-494C-BE2F-E2999171E32C}" type="datetimeFigureOut">
               <a:rPr lang="en-GB" smtClean="0"/>
-              <a:t>14/02/2020</a:t>
+              <a:t>16/02/2020</a:t>
             </a:fld>
             <a:endParaRPr lang="en-GB"/>
           </a:p>
@@ -1833,7 +1834,7 @@
           <a:p>
             <a:fld id="{F6B75C2D-8946-494C-BE2F-E2999171E32C}" type="datetimeFigureOut">
               <a:rPr lang="en-GB" smtClean="0"/>
-              <a:t>14/02/2020</a:t>
+              <a:t>16/02/2020</a:t>
             </a:fld>
             <a:endParaRPr lang="en-GB"/>
           </a:p>
@@ -2110,7 +2111,7 @@
           <a:p>
             <a:fld id="{F6B75C2D-8946-494C-BE2F-E2999171E32C}" type="datetimeFigureOut">
               <a:rPr lang="en-GB" smtClean="0"/>
-              <a:t>14/02/2020</a:t>
+              <a:t>16/02/2020</a:t>
             </a:fld>
             <a:endParaRPr lang="en-GB"/>
           </a:p>
@@ -2367,7 +2368,7 @@
           <a:p>
             <a:fld id="{F6B75C2D-8946-494C-BE2F-E2999171E32C}" type="datetimeFigureOut">
               <a:rPr lang="en-GB" smtClean="0"/>
-              <a:t>14/02/2020</a:t>
+              <a:t>16/02/2020</a:t>
             </a:fld>
             <a:endParaRPr lang="en-GB"/>
           </a:p>
@@ -2580,7 +2581,7 @@
           <a:p>
             <a:fld id="{F6B75C2D-8946-494C-BE2F-E2999171E32C}" type="datetimeFigureOut">
               <a:rPr lang="en-GB" smtClean="0"/>
-              <a:t>14/02/2020</a:t>
+              <a:t>16/02/2020</a:t>
             </a:fld>
             <a:endParaRPr lang="en-GB"/>
           </a:p>
@@ -3827,6 +3828,119 @@
 </p:sld>
 </file>
 
+<file path=ppt/slides/slide16.xml><?xml version="1.0" encoding="utf-8"?>
+<p:sld xmlns:a="http://schemas.openxmlformats.org/drawingml/2006/main" xmlns:r="http://schemas.openxmlformats.org/officeDocument/2006/relationships" xmlns:p="http://schemas.openxmlformats.org/presentationml/2006/main">
+  <p:cSld>
+    <p:spTree>
+      <p:nvGrpSpPr>
+        <p:cNvPr id="1" name=""/>
+        <p:cNvGrpSpPr/>
+        <p:nvPr/>
+      </p:nvGrpSpPr>
+      <p:grpSpPr>
+        <a:xfrm>
+          <a:off x="0" y="0"/>
+          <a:ext cx="0" cy="0"/>
+          <a:chOff x="0" y="0"/>
+          <a:chExt cx="0" cy="0"/>
+        </a:xfrm>
+      </p:grpSpPr>
+      <p:sp>
+        <p:nvSpPr>
+          <p:cNvPr id="2" name="Title 1">
+            <a:extLst>
+              <a:ext uri="{FF2B5EF4-FFF2-40B4-BE49-F238E27FC236}">
+                <a16:creationId xmlns:a16="http://schemas.microsoft.com/office/drawing/2014/main" id="{67EF4F00-8FE5-074D-B9C2-034A1E97AFB9}"/>
+              </a:ext>
+            </a:extLst>
+          </p:cNvPr>
+          <p:cNvSpPr>
+            <a:spLocks noGrp="1"/>
+          </p:cNvSpPr>
+          <p:nvPr>
+            <p:ph type="title"/>
+          </p:nvPr>
+        </p:nvSpPr>
+        <p:spPr/>
+        <p:txBody>
+          <a:bodyPr/>
+          <a:lstStyle/>
+          <a:p>
+            <a:r>
+              <a:rPr lang="en-GB" dirty="0"/>
+              <a:t>R Notebook</a:t>
+            </a:r>
+          </a:p>
+        </p:txBody>
+      </p:sp>
+      <p:sp>
+        <p:nvSpPr>
+          <p:cNvPr id="3" name="Content Placeholder 2">
+            <a:extLst>
+              <a:ext uri="{FF2B5EF4-FFF2-40B4-BE49-F238E27FC236}">
+                <a16:creationId xmlns:a16="http://schemas.microsoft.com/office/drawing/2014/main" id="{2A0261D6-4484-F642-96E6-E1552E1402F3}"/>
+              </a:ext>
+            </a:extLst>
+          </p:cNvPr>
+          <p:cNvSpPr>
+            <a:spLocks noGrp="1"/>
+          </p:cNvSpPr>
+          <p:nvPr>
+            <p:ph idx="1"/>
+          </p:nvPr>
+        </p:nvSpPr>
+        <p:spPr/>
+        <p:txBody>
+          <a:bodyPr/>
+          <a:lstStyle/>
+          <a:p>
+            <a:endParaRPr lang="en-GB"/>
+          </a:p>
+        </p:txBody>
+      </p:sp>
+      <p:pic>
+        <p:nvPicPr>
+          <p:cNvPr id="4" name="Picture 3">
+            <a:extLst>
+              <a:ext uri="{FF2B5EF4-FFF2-40B4-BE49-F238E27FC236}">
+                <a16:creationId xmlns:a16="http://schemas.microsoft.com/office/drawing/2014/main" id="{C9A07F3A-D04E-0F49-9D38-0732556007FB}"/>
+              </a:ext>
+            </a:extLst>
+          </p:cNvPr>
+          <p:cNvPicPr>
+            <a:picLocks noChangeAspect="1"/>
+          </p:cNvPicPr>
+          <p:nvPr/>
+        </p:nvPicPr>
+        <p:blipFill>
+          <a:blip r:embed="rId2"/>
+          <a:stretch>
+            <a:fillRect/>
+          </a:stretch>
+        </p:blipFill>
+        <p:spPr>
+          <a:xfrm>
+            <a:off x="1496289" y="1690689"/>
+            <a:ext cx="5949823" cy="5128025"/>
+          </a:xfrm>
+          <a:prstGeom prst="rect">
+            <a:avLst/>
+          </a:prstGeom>
+        </p:spPr>
+      </p:pic>
+    </p:spTree>
+    <p:extLst>
+      <p:ext uri="{BB962C8B-B14F-4D97-AF65-F5344CB8AC3E}">
+        <p14:creationId xmlns:p14="http://schemas.microsoft.com/office/powerpoint/2010/main" val="4217816680"/>
+      </p:ext>
+    </p:extLst>
+  </p:cSld>
+  <p:clrMapOvr>
+    <a:masterClrMapping/>
+  </p:clrMapOvr>
+</p:sld>
+</file>
+
 <file path=ppt/slides/slide2.xml><?xml version="1.0" encoding="utf-8"?>
 <p:sld xmlns:a="http://schemas.openxmlformats.org/drawingml/2006/main" xmlns:r="http://schemas.openxmlformats.org/officeDocument/2006/relationships" xmlns:p="http://schemas.openxmlformats.org/presentationml/2006/main">
   <p:cSld>

--- a/Intro to Rstudio/RStudio_intro.pptx
+++ b/Intro to Rstudio/RStudio_intro.pptx
@@ -2,33 +2,35 @@
 <file path=ppt/presentation.xml><?xml version="1.0" encoding="utf-8"?>
 <p:presentation xmlns:a="http://schemas.openxmlformats.org/drawingml/2006/main" xmlns:r="http://schemas.openxmlformats.org/officeDocument/2006/relationships" xmlns:p="http://schemas.openxmlformats.org/presentationml/2006/main" saveSubsetFonts="1" autoCompressPictures="0">
   <p:sldMasterIdLst>
-    <p:sldMasterId id="2147483660" r:id="rId1"/>
+    <p:sldMasterId id="2147483756" r:id="rId1"/>
   </p:sldMasterIdLst>
   <p:sldIdLst>
     <p:sldId id="256" r:id="rId2"/>
-    <p:sldId id="257" r:id="rId3"/>
-    <p:sldId id="259" r:id="rId4"/>
-    <p:sldId id="260" r:id="rId5"/>
-    <p:sldId id="266" r:id="rId6"/>
-    <p:sldId id="263" r:id="rId7"/>
-    <p:sldId id="265" r:id="rId8"/>
-    <p:sldId id="258" r:id="rId9"/>
-    <p:sldId id="261" r:id="rId10"/>
-    <p:sldId id="264" r:id="rId11"/>
-    <p:sldId id="262" r:id="rId12"/>
-    <p:sldId id="267" r:id="rId13"/>
-    <p:sldId id="268" r:id="rId14"/>
-    <p:sldId id="269" r:id="rId15"/>
-    <p:sldId id="270" r:id="rId16"/>
-    <p:sldId id="271" r:id="rId17"/>
+    <p:sldId id="272" r:id="rId3"/>
+    <p:sldId id="257" r:id="rId4"/>
+    <p:sldId id="273" r:id="rId5"/>
+    <p:sldId id="259" r:id="rId6"/>
+    <p:sldId id="260" r:id="rId7"/>
+    <p:sldId id="266" r:id="rId8"/>
+    <p:sldId id="263" r:id="rId9"/>
+    <p:sldId id="265" r:id="rId10"/>
+    <p:sldId id="258" r:id="rId11"/>
+    <p:sldId id="261" r:id="rId12"/>
+    <p:sldId id="264" r:id="rId13"/>
+    <p:sldId id="262" r:id="rId14"/>
+    <p:sldId id="267" r:id="rId15"/>
+    <p:sldId id="268" r:id="rId16"/>
+    <p:sldId id="269" r:id="rId17"/>
+    <p:sldId id="270" r:id="rId18"/>
+    <p:sldId id="271" r:id="rId19"/>
   </p:sldIdLst>
   <p:sldSz cx="9144000" cy="6858000" type="screen4x3"/>
   <p:notesSz cx="6858000" cy="9144000"/>
   <p:defaultTextStyle>
     <a:defPPr>
-      <a:defRPr lang="en-US"/>
+      <a:defRPr lang="en-NO"/>
     </a:defPPr>
-    <a:lvl1pPr marL="0" algn="l" defTabSz="457200" rtl="0" eaLnBrk="1" latinLnBrk="0" hangingPunct="1">
+    <a:lvl1pPr marL="0" algn="l" defTabSz="914400" rtl="0" eaLnBrk="1" latinLnBrk="0" hangingPunct="1">
       <a:defRPr sz="1800" kern="1200">
         <a:solidFill>
           <a:schemeClr val="tx1"/>
@@ -38,7 +40,7 @@
         <a:cs typeface="+mn-cs"/>
       </a:defRPr>
     </a:lvl1pPr>
-    <a:lvl2pPr marL="457200" algn="l" defTabSz="457200" rtl="0" eaLnBrk="1" latinLnBrk="0" hangingPunct="1">
+    <a:lvl2pPr marL="457200" algn="l" defTabSz="914400" rtl="0" eaLnBrk="1" latinLnBrk="0" hangingPunct="1">
       <a:defRPr sz="1800" kern="1200">
         <a:solidFill>
           <a:schemeClr val="tx1"/>
@@ -48,7 +50,7 @@
         <a:cs typeface="+mn-cs"/>
       </a:defRPr>
     </a:lvl2pPr>
-    <a:lvl3pPr marL="914400" algn="l" defTabSz="457200" rtl="0" eaLnBrk="1" latinLnBrk="0" hangingPunct="1">
+    <a:lvl3pPr marL="914400" algn="l" defTabSz="914400" rtl="0" eaLnBrk="1" latinLnBrk="0" hangingPunct="1">
       <a:defRPr sz="1800" kern="1200">
         <a:solidFill>
           <a:schemeClr val="tx1"/>
@@ -58,7 +60,7 @@
         <a:cs typeface="+mn-cs"/>
       </a:defRPr>
     </a:lvl3pPr>
-    <a:lvl4pPr marL="1371600" algn="l" defTabSz="457200" rtl="0" eaLnBrk="1" latinLnBrk="0" hangingPunct="1">
+    <a:lvl4pPr marL="1371600" algn="l" defTabSz="914400" rtl="0" eaLnBrk="1" latinLnBrk="0" hangingPunct="1">
       <a:defRPr sz="1800" kern="1200">
         <a:solidFill>
           <a:schemeClr val="tx1"/>
@@ -68,7 +70,7 @@
         <a:cs typeface="+mn-cs"/>
       </a:defRPr>
     </a:lvl4pPr>
-    <a:lvl5pPr marL="1828800" algn="l" defTabSz="457200" rtl="0" eaLnBrk="1" latinLnBrk="0" hangingPunct="1">
+    <a:lvl5pPr marL="1828800" algn="l" defTabSz="914400" rtl="0" eaLnBrk="1" latinLnBrk="0" hangingPunct="1">
       <a:defRPr sz="1800" kern="1200">
         <a:solidFill>
           <a:schemeClr val="tx1"/>
@@ -78,7 +80,7 @@
         <a:cs typeface="+mn-cs"/>
       </a:defRPr>
     </a:lvl5pPr>
-    <a:lvl6pPr marL="2286000" algn="l" defTabSz="457200" rtl="0" eaLnBrk="1" latinLnBrk="0" hangingPunct="1">
+    <a:lvl6pPr marL="2286000" algn="l" defTabSz="914400" rtl="0" eaLnBrk="1" latinLnBrk="0" hangingPunct="1">
       <a:defRPr sz="1800" kern="1200">
         <a:solidFill>
           <a:schemeClr val="tx1"/>
@@ -88,7 +90,7 @@
         <a:cs typeface="+mn-cs"/>
       </a:defRPr>
     </a:lvl6pPr>
-    <a:lvl7pPr marL="2743200" algn="l" defTabSz="457200" rtl="0" eaLnBrk="1" latinLnBrk="0" hangingPunct="1">
+    <a:lvl7pPr marL="2743200" algn="l" defTabSz="914400" rtl="0" eaLnBrk="1" latinLnBrk="0" hangingPunct="1">
       <a:defRPr sz="1800" kern="1200">
         <a:solidFill>
           <a:schemeClr val="tx1"/>
@@ -98,7 +100,7 @@
         <a:cs typeface="+mn-cs"/>
       </a:defRPr>
     </a:lvl7pPr>
-    <a:lvl8pPr marL="3200400" algn="l" defTabSz="457200" rtl="0" eaLnBrk="1" latinLnBrk="0" hangingPunct="1">
+    <a:lvl8pPr marL="3200400" algn="l" defTabSz="914400" rtl="0" eaLnBrk="1" latinLnBrk="0" hangingPunct="1">
       <a:defRPr sz="1800" kern="1200">
         <a:solidFill>
           <a:schemeClr val="tx1"/>
@@ -108,7 +110,7 @@
         <a:cs typeface="+mn-cs"/>
       </a:defRPr>
     </a:lvl8pPr>
-    <a:lvl9pPr marL="3657600" algn="l" defTabSz="457200" rtl="0" eaLnBrk="1" latinLnBrk="0" hangingPunct="1">
+    <a:lvl9pPr marL="3657600" algn="l" defTabSz="914400" rtl="0" eaLnBrk="1" latinLnBrk="0" hangingPunct="1">
       <a:defRPr sz="1800" kern="1200">
         <a:solidFill>
           <a:schemeClr val="tx1"/>
@@ -146,7 +148,13 @@
       </p:grpSpPr>
       <p:sp>
         <p:nvSpPr>
-          <p:cNvPr id="2" name="Title 1"/>
+          <p:cNvPr id="2" name="Title 1">
+            <a:extLst>
+              <a:ext uri="{FF2B5EF4-FFF2-40B4-BE49-F238E27FC236}">
+                <a16:creationId xmlns:a16="http://schemas.microsoft.com/office/drawing/2014/main" id="{01FEA7EA-AEFF-9A43-9793-17CBDE9BDF05}"/>
+              </a:ext>
+            </a:extLst>
+          </p:cNvPr>
           <p:cNvSpPr>
             <a:spLocks noGrp="1"/>
           </p:cNvSpPr>
@@ -156,15 +164,15 @@
         </p:nvSpPr>
         <p:spPr>
           <a:xfrm>
-            <a:off x="685800" y="1122363"/>
-            <a:ext cx="7772400" cy="2387600"/>
+            <a:off x="1143000" y="1122363"/>
+            <a:ext cx="6858000" cy="2387600"/>
           </a:xfrm>
         </p:spPr>
         <p:txBody>
           <a:bodyPr anchor="b"/>
           <a:lstStyle>
             <a:lvl1pPr algn="ctr">
-              <a:defRPr sz="6000"/>
+              <a:defRPr sz="4500"/>
             </a:lvl1pPr>
           </a:lstStyle>
           <a:p>
@@ -172,13 +180,18 @@
               <a:rPr lang="en-GB"/>
               <a:t>Click to edit Master title style</a:t>
             </a:r>
-            <a:endParaRPr lang="en-US" dirty="0"/>
-          </a:p>
-        </p:txBody>
-      </p:sp>
-      <p:sp>
-        <p:nvSpPr>
-          <p:cNvPr id="3" name="Subtitle 2"/>
+          </a:p>
+        </p:txBody>
+      </p:sp>
+      <p:sp>
+        <p:nvSpPr>
+          <p:cNvPr id="3" name="Subtitle 2">
+            <a:extLst>
+              <a:ext uri="{FF2B5EF4-FFF2-40B4-BE49-F238E27FC236}">
+                <a16:creationId xmlns:a16="http://schemas.microsoft.com/office/drawing/2014/main" id="{2B63E0A1-CDE3-3249-938C-BFC9E587247C}"/>
+              </a:ext>
+            </a:extLst>
+          </p:cNvPr>
           <p:cNvSpPr>
             <a:spLocks noGrp="1"/>
           </p:cNvSpPr>
@@ -197,39 +210,39 @@
           <a:lstStyle>
             <a:lvl1pPr marL="0" indent="0" algn="ctr">
               <a:buNone/>
-              <a:defRPr sz="2400"/>
+              <a:defRPr sz="1800"/>
             </a:lvl1pPr>
-            <a:lvl2pPr marL="457200" indent="0" algn="ctr">
-              <a:buNone/>
-              <a:defRPr sz="2000"/>
+            <a:lvl2pPr marL="342900" indent="0" algn="ctr">
+              <a:buNone/>
+              <a:defRPr sz="1500"/>
             </a:lvl2pPr>
-            <a:lvl3pPr marL="914400" indent="0" algn="ctr">
-              <a:buNone/>
-              <a:defRPr sz="1800"/>
+            <a:lvl3pPr marL="685800" indent="0" algn="ctr">
+              <a:buNone/>
+              <a:defRPr sz="1350"/>
             </a:lvl3pPr>
-            <a:lvl4pPr marL="1371600" indent="0" algn="ctr">
-              <a:buNone/>
-              <a:defRPr sz="1600"/>
+            <a:lvl4pPr marL="1028700" indent="0" algn="ctr">
+              <a:buNone/>
+              <a:defRPr sz="1200"/>
             </a:lvl4pPr>
-            <a:lvl5pPr marL="1828800" indent="0" algn="ctr">
-              <a:buNone/>
-              <a:defRPr sz="1600"/>
+            <a:lvl5pPr marL="1371600" indent="0" algn="ctr">
+              <a:buNone/>
+              <a:defRPr sz="1200"/>
             </a:lvl5pPr>
-            <a:lvl6pPr marL="2286000" indent="0" algn="ctr">
-              <a:buNone/>
-              <a:defRPr sz="1600"/>
+            <a:lvl6pPr marL="1714500" indent="0" algn="ctr">
+              <a:buNone/>
+              <a:defRPr sz="1200"/>
             </a:lvl6pPr>
-            <a:lvl7pPr marL="2743200" indent="0" algn="ctr">
-              <a:buNone/>
-              <a:defRPr sz="1600"/>
+            <a:lvl7pPr marL="2057400" indent="0" algn="ctr">
+              <a:buNone/>
+              <a:defRPr sz="1200"/>
             </a:lvl7pPr>
-            <a:lvl8pPr marL="3200400" indent="0" algn="ctr">
-              <a:buNone/>
-              <a:defRPr sz="1600"/>
+            <a:lvl8pPr marL="2400300" indent="0" algn="ctr">
+              <a:buNone/>
+              <a:defRPr sz="1200"/>
             </a:lvl8pPr>
-            <a:lvl9pPr marL="3657600" indent="0" algn="ctr">
-              <a:buNone/>
-              <a:defRPr sz="1600"/>
+            <a:lvl9pPr marL="2743200" indent="0" algn="ctr">
+              <a:buNone/>
+              <a:defRPr sz="1200"/>
             </a:lvl9pPr>
           </a:lstStyle>
           <a:p>
@@ -237,13 +250,18 @@
               <a:rPr lang="en-GB"/>
               <a:t>Click to edit Master subtitle style</a:t>
             </a:r>
-            <a:endParaRPr lang="en-US" dirty="0"/>
-          </a:p>
-        </p:txBody>
-      </p:sp>
-      <p:sp>
-        <p:nvSpPr>
-          <p:cNvPr id="4" name="Date Placeholder 3"/>
+          </a:p>
+        </p:txBody>
+      </p:sp>
+      <p:sp>
+        <p:nvSpPr>
+          <p:cNvPr id="4" name="Date Placeholder 3">
+            <a:extLst>
+              <a:ext uri="{FF2B5EF4-FFF2-40B4-BE49-F238E27FC236}">
+                <a16:creationId xmlns:a16="http://schemas.microsoft.com/office/drawing/2014/main" id="{5E271100-7AED-754F-878E-89C4A445C379}"/>
+              </a:ext>
+            </a:extLst>
+          </p:cNvPr>
           <p:cNvSpPr>
             <a:spLocks noGrp="1"/>
           </p:cNvSpPr>
@@ -258,7 +276,7 @@
           <a:p>
             <a:fld id="{F6B75C2D-8946-494C-BE2F-E2999171E32C}" type="datetimeFigureOut">
               <a:rPr lang="en-GB" smtClean="0"/>
-              <a:t>16/02/2020</a:t>
+              <a:t>17/02/2020</a:t>
             </a:fld>
             <a:endParaRPr lang="en-GB"/>
           </a:p>
@@ -266,7 +284,13 @@
       </p:sp>
       <p:sp>
         <p:nvSpPr>
-          <p:cNvPr id="5" name="Footer Placeholder 4"/>
+          <p:cNvPr id="5" name="Footer Placeholder 4">
+            <a:extLst>
+              <a:ext uri="{FF2B5EF4-FFF2-40B4-BE49-F238E27FC236}">
+                <a16:creationId xmlns:a16="http://schemas.microsoft.com/office/drawing/2014/main" id="{6910A711-5CB8-D940-9F63-DB672F5C5221}"/>
+              </a:ext>
+            </a:extLst>
+          </p:cNvPr>
           <p:cNvSpPr>
             <a:spLocks noGrp="1"/>
           </p:cNvSpPr>
@@ -285,7 +309,13 @@
       </p:sp>
       <p:sp>
         <p:nvSpPr>
-          <p:cNvPr id="6" name="Slide Number Placeholder 5"/>
+          <p:cNvPr id="6" name="Slide Number Placeholder 5">
+            <a:extLst>
+              <a:ext uri="{FF2B5EF4-FFF2-40B4-BE49-F238E27FC236}">
+                <a16:creationId xmlns:a16="http://schemas.microsoft.com/office/drawing/2014/main" id="{3BA39937-2F2A-D140-AFAA-856CB8887174}"/>
+              </a:ext>
+            </a:extLst>
+          </p:cNvPr>
           <p:cNvSpPr>
             <a:spLocks noGrp="1"/>
           </p:cNvSpPr>
@@ -309,7 +339,7 @@
     </p:spTree>
     <p:extLst>
       <p:ext uri="{BB962C8B-B14F-4D97-AF65-F5344CB8AC3E}">
-        <p14:creationId xmlns:p14="http://schemas.microsoft.com/office/powerpoint/2010/main" val="2512028299"/>
+        <p14:creationId xmlns:p14="http://schemas.microsoft.com/office/powerpoint/2010/main" val="1497187440"/>
       </p:ext>
     </p:extLst>
   </p:cSld>
@@ -338,7 +368,13 @@
       </p:grpSpPr>
       <p:sp>
         <p:nvSpPr>
-          <p:cNvPr id="2" name="Title 1"/>
+          <p:cNvPr id="2" name="Title 1">
+            <a:extLst>
+              <a:ext uri="{FF2B5EF4-FFF2-40B4-BE49-F238E27FC236}">
+                <a16:creationId xmlns:a16="http://schemas.microsoft.com/office/drawing/2014/main" id="{57AFA882-6DED-EC48-B620-DE9EC59AA1D7}"/>
+              </a:ext>
+            </a:extLst>
+          </p:cNvPr>
           <p:cNvSpPr>
             <a:spLocks noGrp="1"/>
           </p:cNvSpPr>
@@ -355,13 +391,18 @@
               <a:rPr lang="en-GB"/>
               <a:t>Click to edit Master title style</a:t>
             </a:r>
-            <a:endParaRPr lang="en-US" dirty="0"/>
-          </a:p>
-        </p:txBody>
-      </p:sp>
-      <p:sp>
-        <p:nvSpPr>
-          <p:cNvPr id="3" name="Vertical Text Placeholder 2"/>
+          </a:p>
+        </p:txBody>
+      </p:sp>
+      <p:sp>
+        <p:nvSpPr>
+          <p:cNvPr id="3" name="Vertical Text Placeholder 2">
+            <a:extLst>
+              <a:ext uri="{FF2B5EF4-FFF2-40B4-BE49-F238E27FC236}">
+                <a16:creationId xmlns:a16="http://schemas.microsoft.com/office/drawing/2014/main" id="{E6C2E3D6-0F09-1340-9956-A01F080DB413}"/>
+              </a:ext>
+            </a:extLst>
+          </p:cNvPr>
           <p:cNvSpPr>
             <a:spLocks noGrp="1"/>
           </p:cNvSpPr>
@@ -407,13 +448,18 @@
               <a:rPr lang="en-GB"/>
               <a:t>Fifth level</a:t>
             </a:r>
-            <a:endParaRPr lang="en-US" dirty="0"/>
-          </a:p>
-        </p:txBody>
-      </p:sp>
-      <p:sp>
-        <p:nvSpPr>
-          <p:cNvPr id="4" name="Date Placeholder 3"/>
+          </a:p>
+        </p:txBody>
+      </p:sp>
+      <p:sp>
+        <p:nvSpPr>
+          <p:cNvPr id="4" name="Date Placeholder 3">
+            <a:extLst>
+              <a:ext uri="{FF2B5EF4-FFF2-40B4-BE49-F238E27FC236}">
+                <a16:creationId xmlns:a16="http://schemas.microsoft.com/office/drawing/2014/main" id="{6B910284-603E-BF47-9519-592C448D3EDF}"/>
+              </a:ext>
+            </a:extLst>
+          </p:cNvPr>
           <p:cNvSpPr>
             <a:spLocks noGrp="1"/>
           </p:cNvSpPr>
@@ -428,7 +474,7 @@
           <a:p>
             <a:fld id="{F6B75C2D-8946-494C-BE2F-E2999171E32C}" type="datetimeFigureOut">
               <a:rPr lang="en-GB" smtClean="0"/>
-              <a:t>16/02/2020</a:t>
+              <a:t>17/02/2020</a:t>
             </a:fld>
             <a:endParaRPr lang="en-GB"/>
           </a:p>
@@ -436,7 +482,13 @@
       </p:sp>
       <p:sp>
         <p:nvSpPr>
-          <p:cNvPr id="5" name="Footer Placeholder 4"/>
+          <p:cNvPr id="5" name="Footer Placeholder 4">
+            <a:extLst>
+              <a:ext uri="{FF2B5EF4-FFF2-40B4-BE49-F238E27FC236}">
+                <a16:creationId xmlns:a16="http://schemas.microsoft.com/office/drawing/2014/main" id="{D4944391-5B78-5242-859C-B3FBB5532A57}"/>
+              </a:ext>
+            </a:extLst>
+          </p:cNvPr>
           <p:cNvSpPr>
             <a:spLocks noGrp="1"/>
           </p:cNvSpPr>
@@ -455,7 +507,13 @@
       </p:sp>
       <p:sp>
         <p:nvSpPr>
-          <p:cNvPr id="6" name="Slide Number Placeholder 5"/>
+          <p:cNvPr id="6" name="Slide Number Placeholder 5">
+            <a:extLst>
+              <a:ext uri="{FF2B5EF4-FFF2-40B4-BE49-F238E27FC236}">
+                <a16:creationId xmlns:a16="http://schemas.microsoft.com/office/drawing/2014/main" id="{207A49FD-0AD3-ED4E-898D-37AF315D087A}"/>
+              </a:ext>
+            </a:extLst>
+          </p:cNvPr>
           <p:cNvSpPr>
             <a:spLocks noGrp="1"/>
           </p:cNvSpPr>
@@ -479,7 +537,7 @@
     </p:spTree>
     <p:extLst>
       <p:ext uri="{BB962C8B-B14F-4D97-AF65-F5344CB8AC3E}">
-        <p14:creationId xmlns:p14="http://schemas.microsoft.com/office/powerpoint/2010/main" val="2111264337"/>
+        <p14:creationId xmlns:p14="http://schemas.microsoft.com/office/powerpoint/2010/main" val="2441218261"/>
       </p:ext>
     </p:extLst>
   </p:cSld>
@@ -508,7 +566,13 @@
       </p:grpSpPr>
       <p:sp>
         <p:nvSpPr>
-          <p:cNvPr id="2" name="Vertical Title 1"/>
+          <p:cNvPr id="2" name="Vertical Title 1">
+            <a:extLst>
+              <a:ext uri="{FF2B5EF4-FFF2-40B4-BE49-F238E27FC236}">
+                <a16:creationId xmlns:a16="http://schemas.microsoft.com/office/drawing/2014/main" id="{81573197-FA27-524E-873D-C1AFC08B8DFC}"/>
+              </a:ext>
+            </a:extLst>
+          </p:cNvPr>
           <p:cNvSpPr>
             <a:spLocks noGrp="1"/>
           </p:cNvSpPr>
@@ -530,13 +594,18 @@
               <a:rPr lang="en-GB"/>
               <a:t>Click to edit Master title style</a:t>
             </a:r>
-            <a:endParaRPr lang="en-US" dirty="0"/>
-          </a:p>
-        </p:txBody>
-      </p:sp>
-      <p:sp>
-        <p:nvSpPr>
-          <p:cNvPr id="3" name="Vertical Text Placeholder 2"/>
+          </a:p>
+        </p:txBody>
+      </p:sp>
+      <p:sp>
+        <p:nvSpPr>
+          <p:cNvPr id="3" name="Vertical Text Placeholder 2">
+            <a:extLst>
+              <a:ext uri="{FF2B5EF4-FFF2-40B4-BE49-F238E27FC236}">
+                <a16:creationId xmlns:a16="http://schemas.microsoft.com/office/drawing/2014/main" id="{8FB2601A-CFAF-EA45-A8F7-62829A666CED}"/>
+              </a:ext>
+            </a:extLst>
+          </p:cNvPr>
           <p:cNvSpPr>
             <a:spLocks noGrp="1"/>
           </p:cNvSpPr>
@@ -587,13 +656,18 @@
               <a:rPr lang="en-GB"/>
               <a:t>Fifth level</a:t>
             </a:r>
-            <a:endParaRPr lang="en-US" dirty="0"/>
-          </a:p>
-        </p:txBody>
-      </p:sp>
-      <p:sp>
-        <p:nvSpPr>
-          <p:cNvPr id="4" name="Date Placeholder 3"/>
+          </a:p>
+        </p:txBody>
+      </p:sp>
+      <p:sp>
+        <p:nvSpPr>
+          <p:cNvPr id="4" name="Date Placeholder 3">
+            <a:extLst>
+              <a:ext uri="{FF2B5EF4-FFF2-40B4-BE49-F238E27FC236}">
+                <a16:creationId xmlns:a16="http://schemas.microsoft.com/office/drawing/2014/main" id="{148BF536-2D92-0940-9271-F78718F6CA39}"/>
+              </a:ext>
+            </a:extLst>
+          </p:cNvPr>
           <p:cNvSpPr>
             <a:spLocks noGrp="1"/>
           </p:cNvSpPr>
@@ -608,7 +682,7 @@
           <a:p>
             <a:fld id="{F6B75C2D-8946-494C-BE2F-E2999171E32C}" type="datetimeFigureOut">
               <a:rPr lang="en-GB" smtClean="0"/>
-              <a:t>16/02/2020</a:t>
+              <a:t>17/02/2020</a:t>
             </a:fld>
             <a:endParaRPr lang="en-GB"/>
           </a:p>
@@ -616,7 +690,13 @@
       </p:sp>
       <p:sp>
         <p:nvSpPr>
-          <p:cNvPr id="5" name="Footer Placeholder 4"/>
+          <p:cNvPr id="5" name="Footer Placeholder 4">
+            <a:extLst>
+              <a:ext uri="{FF2B5EF4-FFF2-40B4-BE49-F238E27FC236}">
+                <a16:creationId xmlns:a16="http://schemas.microsoft.com/office/drawing/2014/main" id="{0EDB7C32-CA70-4248-B6C0-34C3F0E8EF6D}"/>
+              </a:ext>
+            </a:extLst>
+          </p:cNvPr>
           <p:cNvSpPr>
             <a:spLocks noGrp="1"/>
           </p:cNvSpPr>
@@ -635,7 +715,13 @@
       </p:sp>
       <p:sp>
         <p:nvSpPr>
-          <p:cNvPr id="6" name="Slide Number Placeholder 5"/>
+          <p:cNvPr id="6" name="Slide Number Placeholder 5">
+            <a:extLst>
+              <a:ext uri="{FF2B5EF4-FFF2-40B4-BE49-F238E27FC236}">
+                <a16:creationId xmlns:a16="http://schemas.microsoft.com/office/drawing/2014/main" id="{B447116E-5069-B646-B0FD-3AFD9FA1F5EB}"/>
+              </a:ext>
+            </a:extLst>
+          </p:cNvPr>
           <p:cNvSpPr>
             <a:spLocks noGrp="1"/>
           </p:cNvSpPr>
@@ -659,7 +745,7 @@
     </p:spTree>
     <p:extLst>
       <p:ext uri="{BB962C8B-B14F-4D97-AF65-F5344CB8AC3E}">
-        <p14:creationId xmlns:p14="http://schemas.microsoft.com/office/powerpoint/2010/main" val="1390806502"/>
+        <p14:creationId xmlns:p14="http://schemas.microsoft.com/office/powerpoint/2010/main" val="2605814973"/>
       </p:ext>
     </p:extLst>
   </p:cSld>
@@ -688,7 +774,13 @@
       </p:grpSpPr>
       <p:sp>
         <p:nvSpPr>
-          <p:cNvPr id="2" name="Title 1"/>
+          <p:cNvPr id="2" name="Title 1">
+            <a:extLst>
+              <a:ext uri="{FF2B5EF4-FFF2-40B4-BE49-F238E27FC236}">
+                <a16:creationId xmlns:a16="http://schemas.microsoft.com/office/drawing/2014/main" id="{3754BBBD-82A8-6B41-80D1-6FC5B5BC1B87}"/>
+              </a:ext>
+            </a:extLst>
+          </p:cNvPr>
           <p:cNvSpPr>
             <a:spLocks noGrp="1"/>
           </p:cNvSpPr>
@@ -705,13 +797,18 @@
               <a:rPr lang="en-GB"/>
               <a:t>Click to edit Master title style</a:t>
             </a:r>
-            <a:endParaRPr lang="en-US" dirty="0"/>
-          </a:p>
-        </p:txBody>
-      </p:sp>
-      <p:sp>
-        <p:nvSpPr>
-          <p:cNvPr id="3" name="Content Placeholder 2"/>
+          </a:p>
+        </p:txBody>
+      </p:sp>
+      <p:sp>
+        <p:nvSpPr>
+          <p:cNvPr id="3" name="Content Placeholder 2">
+            <a:extLst>
+              <a:ext uri="{FF2B5EF4-FFF2-40B4-BE49-F238E27FC236}">
+                <a16:creationId xmlns:a16="http://schemas.microsoft.com/office/drawing/2014/main" id="{20D8C5FD-5897-D149-8FF9-A20FC3FCD259}"/>
+              </a:ext>
+            </a:extLst>
+          </p:cNvPr>
           <p:cNvSpPr>
             <a:spLocks noGrp="1"/>
           </p:cNvSpPr>
@@ -757,13 +854,18 @@
               <a:rPr lang="en-GB"/>
               <a:t>Fifth level</a:t>
             </a:r>
-            <a:endParaRPr lang="en-US" dirty="0"/>
-          </a:p>
-        </p:txBody>
-      </p:sp>
-      <p:sp>
-        <p:nvSpPr>
-          <p:cNvPr id="4" name="Date Placeholder 3"/>
+          </a:p>
+        </p:txBody>
+      </p:sp>
+      <p:sp>
+        <p:nvSpPr>
+          <p:cNvPr id="4" name="Date Placeholder 3">
+            <a:extLst>
+              <a:ext uri="{FF2B5EF4-FFF2-40B4-BE49-F238E27FC236}">
+                <a16:creationId xmlns:a16="http://schemas.microsoft.com/office/drawing/2014/main" id="{2E76C0ED-1D55-754D-818E-4AC419FD8AA4}"/>
+              </a:ext>
+            </a:extLst>
+          </p:cNvPr>
           <p:cNvSpPr>
             <a:spLocks noGrp="1"/>
           </p:cNvSpPr>
@@ -778,7 +880,7 @@
           <a:p>
             <a:fld id="{F6B75C2D-8946-494C-BE2F-E2999171E32C}" type="datetimeFigureOut">
               <a:rPr lang="en-GB" smtClean="0"/>
-              <a:t>16/02/2020</a:t>
+              <a:t>17/02/2020</a:t>
             </a:fld>
             <a:endParaRPr lang="en-GB"/>
           </a:p>
@@ -786,7 +888,13 @@
       </p:sp>
       <p:sp>
         <p:nvSpPr>
-          <p:cNvPr id="5" name="Footer Placeholder 4"/>
+          <p:cNvPr id="5" name="Footer Placeholder 4">
+            <a:extLst>
+              <a:ext uri="{FF2B5EF4-FFF2-40B4-BE49-F238E27FC236}">
+                <a16:creationId xmlns:a16="http://schemas.microsoft.com/office/drawing/2014/main" id="{B3121E19-5F2E-0740-9DD4-3B9BB6BF9B79}"/>
+              </a:ext>
+            </a:extLst>
+          </p:cNvPr>
           <p:cNvSpPr>
             <a:spLocks noGrp="1"/>
           </p:cNvSpPr>
@@ -805,7 +913,13 @@
       </p:sp>
       <p:sp>
         <p:nvSpPr>
-          <p:cNvPr id="6" name="Slide Number Placeholder 5"/>
+          <p:cNvPr id="6" name="Slide Number Placeholder 5">
+            <a:extLst>
+              <a:ext uri="{FF2B5EF4-FFF2-40B4-BE49-F238E27FC236}">
+                <a16:creationId xmlns:a16="http://schemas.microsoft.com/office/drawing/2014/main" id="{B5D0E9C5-8429-8048-92C5-A6BC1E2BA2FD}"/>
+              </a:ext>
+            </a:extLst>
+          </p:cNvPr>
           <p:cNvSpPr>
             <a:spLocks noGrp="1"/>
           </p:cNvSpPr>
@@ -829,7 +943,7 @@
     </p:spTree>
     <p:extLst>
       <p:ext uri="{BB962C8B-B14F-4D97-AF65-F5344CB8AC3E}">
-        <p14:creationId xmlns:p14="http://schemas.microsoft.com/office/powerpoint/2010/main" val="402997724"/>
+        <p14:creationId xmlns:p14="http://schemas.microsoft.com/office/powerpoint/2010/main" val="2601301387"/>
       </p:ext>
     </p:extLst>
   </p:cSld>
@@ -858,7 +972,13 @@
       </p:grpSpPr>
       <p:sp>
         <p:nvSpPr>
-          <p:cNvPr id="2" name="Title 1"/>
+          <p:cNvPr id="2" name="Title 1">
+            <a:extLst>
+              <a:ext uri="{FF2B5EF4-FFF2-40B4-BE49-F238E27FC236}">
+                <a16:creationId xmlns:a16="http://schemas.microsoft.com/office/drawing/2014/main" id="{AEFEAFA9-1BE9-6E43-B050-C3133FB3F8F8}"/>
+              </a:ext>
+            </a:extLst>
+          </p:cNvPr>
           <p:cNvSpPr>
             <a:spLocks noGrp="1"/>
           </p:cNvSpPr>
@@ -876,7 +996,7 @@
           <a:bodyPr anchor="b"/>
           <a:lstStyle>
             <a:lvl1pPr>
-              <a:defRPr sz="6000"/>
+              <a:defRPr sz="4500"/>
             </a:lvl1pPr>
           </a:lstStyle>
           <a:p>
@@ -884,13 +1004,18 @@
               <a:rPr lang="en-GB"/>
               <a:t>Click to edit Master title style</a:t>
             </a:r>
-            <a:endParaRPr lang="en-US" dirty="0"/>
-          </a:p>
-        </p:txBody>
-      </p:sp>
-      <p:sp>
-        <p:nvSpPr>
-          <p:cNvPr id="3" name="Text Placeholder 2"/>
+          </a:p>
+        </p:txBody>
+      </p:sp>
+      <p:sp>
+        <p:nvSpPr>
+          <p:cNvPr id="3" name="Text Placeholder 2">
+            <a:extLst>
+              <a:ext uri="{FF2B5EF4-FFF2-40B4-BE49-F238E27FC236}">
+                <a16:creationId xmlns:a16="http://schemas.microsoft.com/office/drawing/2014/main" id="{1D161254-E607-5948-BCF3-0C58F0C57B7C}"/>
+              </a:ext>
+            </a:extLst>
+          </p:cNvPr>
           <p:cNvSpPr>
             <a:spLocks noGrp="1"/>
           </p:cNvSpPr>
@@ -909,15 +1034,17 @@
           <a:lstStyle>
             <a:lvl1pPr marL="0" indent="0">
               <a:buNone/>
-              <a:defRPr sz="2400">
+              <a:defRPr sz="1800">
                 <a:solidFill>
-                  <a:schemeClr val="tx1"/>
+                  <a:schemeClr val="tx1">
+                    <a:tint val="75000"/>
+                  </a:schemeClr>
                 </a:solidFill>
               </a:defRPr>
             </a:lvl1pPr>
-            <a:lvl2pPr marL="457200" indent="0">
-              <a:buNone/>
-              <a:defRPr sz="2000">
+            <a:lvl2pPr marL="342900" indent="0">
+              <a:buNone/>
+              <a:defRPr sz="1500">
                 <a:solidFill>
                   <a:schemeClr val="tx1">
                     <a:tint val="75000"/>
@@ -925,9 +1052,9 @@
                 </a:solidFill>
               </a:defRPr>
             </a:lvl2pPr>
-            <a:lvl3pPr marL="914400" indent="0">
-              <a:buNone/>
-              <a:defRPr sz="1800">
+            <a:lvl3pPr marL="685800" indent="0">
+              <a:buNone/>
+              <a:defRPr sz="1350">
                 <a:solidFill>
                   <a:schemeClr val="tx1">
                     <a:tint val="75000"/>
@@ -935,9 +1062,9 @@
                 </a:solidFill>
               </a:defRPr>
             </a:lvl3pPr>
-            <a:lvl4pPr marL="1371600" indent="0">
-              <a:buNone/>
-              <a:defRPr sz="1600">
+            <a:lvl4pPr marL="1028700" indent="0">
+              <a:buNone/>
+              <a:defRPr sz="1200">
                 <a:solidFill>
                   <a:schemeClr val="tx1">
                     <a:tint val="75000"/>
@@ -945,9 +1072,9 @@
                 </a:solidFill>
               </a:defRPr>
             </a:lvl4pPr>
-            <a:lvl5pPr marL="1828800" indent="0">
-              <a:buNone/>
-              <a:defRPr sz="1600">
+            <a:lvl5pPr marL="1371600" indent="0">
+              <a:buNone/>
+              <a:defRPr sz="1200">
                 <a:solidFill>
                   <a:schemeClr val="tx1">
                     <a:tint val="75000"/>
@@ -955,9 +1082,9 @@
                 </a:solidFill>
               </a:defRPr>
             </a:lvl5pPr>
-            <a:lvl6pPr marL="2286000" indent="0">
-              <a:buNone/>
-              <a:defRPr sz="1600">
+            <a:lvl6pPr marL="1714500" indent="0">
+              <a:buNone/>
+              <a:defRPr sz="1200">
                 <a:solidFill>
                   <a:schemeClr val="tx1">
                     <a:tint val="75000"/>
@@ -965,9 +1092,9 @@
                 </a:solidFill>
               </a:defRPr>
             </a:lvl6pPr>
-            <a:lvl7pPr marL="2743200" indent="0">
-              <a:buNone/>
-              <a:defRPr sz="1600">
+            <a:lvl7pPr marL="2057400" indent="0">
+              <a:buNone/>
+              <a:defRPr sz="1200">
                 <a:solidFill>
                   <a:schemeClr val="tx1">
                     <a:tint val="75000"/>
@@ -975,9 +1102,9 @@
                 </a:solidFill>
               </a:defRPr>
             </a:lvl7pPr>
-            <a:lvl8pPr marL="3200400" indent="0">
-              <a:buNone/>
-              <a:defRPr sz="1600">
+            <a:lvl8pPr marL="2400300" indent="0">
+              <a:buNone/>
+              <a:defRPr sz="1200">
                 <a:solidFill>
                   <a:schemeClr val="tx1">
                     <a:tint val="75000"/>
@@ -985,9 +1112,9 @@
                 </a:solidFill>
               </a:defRPr>
             </a:lvl8pPr>
-            <a:lvl9pPr marL="3657600" indent="0">
-              <a:buNone/>
-              <a:defRPr sz="1600">
+            <a:lvl9pPr marL="2743200" indent="0">
+              <a:buNone/>
+              <a:defRPr sz="1200">
                 <a:solidFill>
                   <a:schemeClr val="tx1">
                     <a:tint val="75000"/>
@@ -1007,7 +1134,13 @@
       </p:sp>
       <p:sp>
         <p:nvSpPr>
-          <p:cNvPr id="4" name="Date Placeholder 3"/>
+          <p:cNvPr id="4" name="Date Placeholder 3">
+            <a:extLst>
+              <a:ext uri="{FF2B5EF4-FFF2-40B4-BE49-F238E27FC236}">
+                <a16:creationId xmlns:a16="http://schemas.microsoft.com/office/drawing/2014/main" id="{9687B49C-AD87-B14A-8996-47DD125E1CFF}"/>
+              </a:ext>
+            </a:extLst>
+          </p:cNvPr>
           <p:cNvSpPr>
             <a:spLocks noGrp="1"/>
           </p:cNvSpPr>
@@ -1022,7 +1155,7 @@
           <a:p>
             <a:fld id="{F6B75C2D-8946-494C-BE2F-E2999171E32C}" type="datetimeFigureOut">
               <a:rPr lang="en-GB" smtClean="0"/>
-              <a:t>16/02/2020</a:t>
+              <a:t>17/02/2020</a:t>
             </a:fld>
             <a:endParaRPr lang="en-GB"/>
           </a:p>
@@ -1030,7 +1163,13 @@
       </p:sp>
       <p:sp>
         <p:nvSpPr>
-          <p:cNvPr id="5" name="Footer Placeholder 4"/>
+          <p:cNvPr id="5" name="Footer Placeholder 4">
+            <a:extLst>
+              <a:ext uri="{FF2B5EF4-FFF2-40B4-BE49-F238E27FC236}">
+                <a16:creationId xmlns:a16="http://schemas.microsoft.com/office/drawing/2014/main" id="{D1284CCC-82A1-794D-9316-FAC73E22723B}"/>
+              </a:ext>
+            </a:extLst>
+          </p:cNvPr>
           <p:cNvSpPr>
             <a:spLocks noGrp="1"/>
           </p:cNvSpPr>
@@ -1049,7 +1188,13 @@
       </p:sp>
       <p:sp>
         <p:nvSpPr>
-          <p:cNvPr id="6" name="Slide Number Placeholder 5"/>
+          <p:cNvPr id="6" name="Slide Number Placeholder 5">
+            <a:extLst>
+              <a:ext uri="{FF2B5EF4-FFF2-40B4-BE49-F238E27FC236}">
+                <a16:creationId xmlns:a16="http://schemas.microsoft.com/office/drawing/2014/main" id="{73127835-BCFC-4240-975F-8BADFE8ECCE5}"/>
+              </a:ext>
+            </a:extLst>
+          </p:cNvPr>
           <p:cNvSpPr>
             <a:spLocks noGrp="1"/>
           </p:cNvSpPr>
@@ -1073,7 +1218,7 @@
     </p:spTree>
     <p:extLst>
       <p:ext uri="{BB962C8B-B14F-4D97-AF65-F5344CB8AC3E}">
-        <p14:creationId xmlns:p14="http://schemas.microsoft.com/office/powerpoint/2010/main" val="2554602127"/>
+        <p14:creationId xmlns:p14="http://schemas.microsoft.com/office/powerpoint/2010/main" val="1343975327"/>
       </p:ext>
     </p:extLst>
   </p:cSld>
@@ -1102,7 +1247,13 @@
       </p:grpSpPr>
       <p:sp>
         <p:nvSpPr>
-          <p:cNvPr id="2" name="Title 1"/>
+          <p:cNvPr id="2" name="Title 1">
+            <a:extLst>
+              <a:ext uri="{FF2B5EF4-FFF2-40B4-BE49-F238E27FC236}">
+                <a16:creationId xmlns:a16="http://schemas.microsoft.com/office/drawing/2014/main" id="{ADDC5D99-2F0D-A84E-A197-3EF694CB41CF}"/>
+              </a:ext>
+            </a:extLst>
+          </p:cNvPr>
           <p:cNvSpPr>
             <a:spLocks noGrp="1"/>
           </p:cNvSpPr>
@@ -1119,13 +1270,18 @@
               <a:rPr lang="en-GB"/>
               <a:t>Click to edit Master title style</a:t>
             </a:r>
-            <a:endParaRPr lang="en-US" dirty="0"/>
-          </a:p>
-        </p:txBody>
-      </p:sp>
-      <p:sp>
-        <p:nvSpPr>
-          <p:cNvPr id="3" name="Content Placeholder 2"/>
+          </a:p>
+        </p:txBody>
+      </p:sp>
+      <p:sp>
+        <p:nvSpPr>
+          <p:cNvPr id="3" name="Content Placeholder 2">
+            <a:extLst>
+              <a:ext uri="{FF2B5EF4-FFF2-40B4-BE49-F238E27FC236}">
+                <a16:creationId xmlns:a16="http://schemas.microsoft.com/office/drawing/2014/main" id="{80649923-CEF2-4145-A6E8-2955CCC95367}"/>
+              </a:ext>
+            </a:extLst>
+          </p:cNvPr>
           <p:cNvSpPr>
             <a:spLocks noGrp="1"/>
           </p:cNvSpPr>
@@ -1176,13 +1332,18 @@
               <a:rPr lang="en-GB"/>
               <a:t>Fifth level</a:t>
             </a:r>
-            <a:endParaRPr lang="en-US" dirty="0"/>
-          </a:p>
-        </p:txBody>
-      </p:sp>
-      <p:sp>
-        <p:nvSpPr>
-          <p:cNvPr id="4" name="Content Placeholder 3"/>
+          </a:p>
+        </p:txBody>
+      </p:sp>
+      <p:sp>
+        <p:nvSpPr>
+          <p:cNvPr id="4" name="Content Placeholder 3">
+            <a:extLst>
+              <a:ext uri="{FF2B5EF4-FFF2-40B4-BE49-F238E27FC236}">
+                <a16:creationId xmlns:a16="http://schemas.microsoft.com/office/drawing/2014/main" id="{9D3133E9-98F8-CE43-904F-ED991A1069D8}"/>
+              </a:ext>
+            </a:extLst>
+          </p:cNvPr>
           <p:cNvSpPr>
             <a:spLocks noGrp="1"/>
           </p:cNvSpPr>
@@ -1233,13 +1394,18 @@
               <a:rPr lang="en-GB"/>
               <a:t>Fifth level</a:t>
             </a:r>
-            <a:endParaRPr lang="en-US" dirty="0"/>
-          </a:p>
-        </p:txBody>
-      </p:sp>
-      <p:sp>
-        <p:nvSpPr>
-          <p:cNvPr id="5" name="Date Placeholder 4"/>
+          </a:p>
+        </p:txBody>
+      </p:sp>
+      <p:sp>
+        <p:nvSpPr>
+          <p:cNvPr id="5" name="Date Placeholder 4">
+            <a:extLst>
+              <a:ext uri="{FF2B5EF4-FFF2-40B4-BE49-F238E27FC236}">
+                <a16:creationId xmlns:a16="http://schemas.microsoft.com/office/drawing/2014/main" id="{4DC565F3-C111-924E-B7AD-8466917E542D}"/>
+              </a:ext>
+            </a:extLst>
+          </p:cNvPr>
           <p:cNvSpPr>
             <a:spLocks noGrp="1"/>
           </p:cNvSpPr>
@@ -1254,7 +1420,7 @@
           <a:p>
             <a:fld id="{F6B75C2D-8946-494C-BE2F-E2999171E32C}" type="datetimeFigureOut">
               <a:rPr lang="en-GB" smtClean="0"/>
-              <a:t>16/02/2020</a:t>
+              <a:t>17/02/2020</a:t>
             </a:fld>
             <a:endParaRPr lang="en-GB"/>
           </a:p>
@@ -1262,7 +1428,13 @@
       </p:sp>
       <p:sp>
         <p:nvSpPr>
-          <p:cNvPr id="6" name="Footer Placeholder 5"/>
+          <p:cNvPr id="6" name="Footer Placeholder 5">
+            <a:extLst>
+              <a:ext uri="{FF2B5EF4-FFF2-40B4-BE49-F238E27FC236}">
+                <a16:creationId xmlns:a16="http://schemas.microsoft.com/office/drawing/2014/main" id="{91E7F085-2770-F647-8DD9-1537CC213EEA}"/>
+              </a:ext>
+            </a:extLst>
+          </p:cNvPr>
           <p:cNvSpPr>
             <a:spLocks noGrp="1"/>
           </p:cNvSpPr>
@@ -1281,7 +1453,13 @@
       </p:sp>
       <p:sp>
         <p:nvSpPr>
-          <p:cNvPr id="7" name="Slide Number Placeholder 6"/>
+          <p:cNvPr id="7" name="Slide Number Placeholder 6">
+            <a:extLst>
+              <a:ext uri="{FF2B5EF4-FFF2-40B4-BE49-F238E27FC236}">
+                <a16:creationId xmlns:a16="http://schemas.microsoft.com/office/drawing/2014/main" id="{BD95E258-061A-FA48-98E2-5987791192DE}"/>
+              </a:ext>
+            </a:extLst>
+          </p:cNvPr>
           <p:cNvSpPr>
             <a:spLocks noGrp="1"/>
           </p:cNvSpPr>
@@ -1305,7 +1483,7 @@
     </p:spTree>
     <p:extLst>
       <p:ext uri="{BB962C8B-B14F-4D97-AF65-F5344CB8AC3E}">
-        <p14:creationId xmlns:p14="http://schemas.microsoft.com/office/powerpoint/2010/main" val="1135479742"/>
+        <p14:creationId xmlns:p14="http://schemas.microsoft.com/office/powerpoint/2010/main" val="3061427088"/>
       </p:ext>
     </p:extLst>
   </p:cSld>
@@ -1334,7 +1512,13 @@
       </p:grpSpPr>
       <p:sp>
         <p:nvSpPr>
-          <p:cNvPr id="2" name="Title 1"/>
+          <p:cNvPr id="2" name="Title 1">
+            <a:extLst>
+              <a:ext uri="{FF2B5EF4-FFF2-40B4-BE49-F238E27FC236}">
+                <a16:creationId xmlns:a16="http://schemas.microsoft.com/office/drawing/2014/main" id="{9AD0BA8B-6FBE-2548-B0D9-E2B2F551C64E}"/>
+              </a:ext>
+            </a:extLst>
+          </p:cNvPr>
           <p:cNvSpPr>
             <a:spLocks noGrp="1"/>
           </p:cNvSpPr>
@@ -1356,13 +1540,18 @@
               <a:rPr lang="en-GB"/>
               <a:t>Click to edit Master title style</a:t>
             </a:r>
-            <a:endParaRPr lang="en-US" dirty="0"/>
-          </a:p>
-        </p:txBody>
-      </p:sp>
-      <p:sp>
-        <p:nvSpPr>
-          <p:cNvPr id="3" name="Text Placeholder 2"/>
+          </a:p>
+        </p:txBody>
+      </p:sp>
+      <p:sp>
+        <p:nvSpPr>
+          <p:cNvPr id="3" name="Text Placeholder 2">
+            <a:extLst>
+              <a:ext uri="{FF2B5EF4-FFF2-40B4-BE49-F238E27FC236}">
+                <a16:creationId xmlns:a16="http://schemas.microsoft.com/office/drawing/2014/main" id="{68FD2DB2-1D94-3443-8FD2-175A80D27BED}"/>
+              </a:ext>
+            </a:extLst>
+          </p:cNvPr>
           <p:cNvSpPr>
             <a:spLocks noGrp="1"/>
           </p:cNvSpPr>
@@ -1381,39 +1570,39 @@
           <a:lstStyle>
             <a:lvl1pPr marL="0" indent="0">
               <a:buNone/>
-              <a:defRPr sz="2400" b="1"/>
+              <a:defRPr sz="1800" b="1"/>
             </a:lvl1pPr>
-            <a:lvl2pPr marL="457200" indent="0">
-              <a:buNone/>
-              <a:defRPr sz="2000" b="1"/>
+            <a:lvl2pPr marL="342900" indent="0">
+              <a:buNone/>
+              <a:defRPr sz="1500" b="1"/>
             </a:lvl2pPr>
-            <a:lvl3pPr marL="914400" indent="0">
-              <a:buNone/>
-              <a:defRPr sz="1800" b="1"/>
+            <a:lvl3pPr marL="685800" indent="0">
+              <a:buNone/>
+              <a:defRPr sz="1350" b="1"/>
             </a:lvl3pPr>
-            <a:lvl4pPr marL="1371600" indent="0">
-              <a:buNone/>
-              <a:defRPr sz="1600" b="1"/>
+            <a:lvl4pPr marL="1028700" indent="0">
+              <a:buNone/>
+              <a:defRPr sz="1200" b="1"/>
             </a:lvl4pPr>
-            <a:lvl5pPr marL="1828800" indent="0">
-              <a:buNone/>
-              <a:defRPr sz="1600" b="1"/>
+            <a:lvl5pPr marL="1371600" indent="0">
+              <a:buNone/>
+              <a:defRPr sz="1200" b="1"/>
             </a:lvl5pPr>
-            <a:lvl6pPr marL="2286000" indent="0">
-              <a:buNone/>
-              <a:defRPr sz="1600" b="1"/>
+            <a:lvl6pPr marL="1714500" indent="0">
+              <a:buNone/>
+              <a:defRPr sz="1200" b="1"/>
             </a:lvl6pPr>
-            <a:lvl7pPr marL="2743200" indent="0">
-              <a:buNone/>
-              <a:defRPr sz="1600" b="1"/>
+            <a:lvl7pPr marL="2057400" indent="0">
+              <a:buNone/>
+              <a:defRPr sz="1200" b="1"/>
             </a:lvl7pPr>
-            <a:lvl8pPr marL="3200400" indent="0">
-              <a:buNone/>
-              <a:defRPr sz="1600" b="1"/>
+            <a:lvl8pPr marL="2400300" indent="0">
+              <a:buNone/>
+              <a:defRPr sz="1200" b="1"/>
             </a:lvl8pPr>
-            <a:lvl9pPr marL="3657600" indent="0">
-              <a:buNone/>
-              <a:defRPr sz="1600" b="1"/>
+            <a:lvl9pPr marL="2743200" indent="0">
+              <a:buNone/>
+              <a:defRPr sz="1200" b="1"/>
             </a:lvl9pPr>
           </a:lstStyle>
           <a:p>
@@ -1427,7 +1616,13 @@
       </p:sp>
       <p:sp>
         <p:nvSpPr>
-          <p:cNvPr id="4" name="Content Placeholder 3"/>
+          <p:cNvPr id="4" name="Content Placeholder 3">
+            <a:extLst>
+              <a:ext uri="{FF2B5EF4-FFF2-40B4-BE49-F238E27FC236}">
+                <a16:creationId xmlns:a16="http://schemas.microsoft.com/office/drawing/2014/main" id="{1BE3A65D-8EA8-7441-BEA0-E4E6B053CF65}"/>
+              </a:ext>
+            </a:extLst>
+          </p:cNvPr>
           <p:cNvSpPr>
             <a:spLocks noGrp="1"/>
           </p:cNvSpPr>
@@ -1478,13 +1673,18 @@
               <a:rPr lang="en-GB"/>
               <a:t>Fifth level</a:t>
             </a:r>
-            <a:endParaRPr lang="en-US" dirty="0"/>
-          </a:p>
-        </p:txBody>
-      </p:sp>
-      <p:sp>
-        <p:nvSpPr>
-          <p:cNvPr id="5" name="Text Placeholder 4"/>
+          </a:p>
+        </p:txBody>
+      </p:sp>
+      <p:sp>
+        <p:nvSpPr>
+          <p:cNvPr id="5" name="Text Placeholder 4">
+            <a:extLst>
+              <a:ext uri="{FF2B5EF4-FFF2-40B4-BE49-F238E27FC236}">
+                <a16:creationId xmlns:a16="http://schemas.microsoft.com/office/drawing/2014/main" id="{3E46DAD3-4A42-7541-A32B-B65201A437DC}"/>
+              </a:ext>
+            </a:extLst>
+          </p:cNvPr>
           <p:cNvSpPr>
             <a:spLocks noGrp="1"/>
           </p:cNvSpPr>
@@ -1503,39 +1703,39 @@
           <a:lstStyle>
             <a:lvl1pPr marL="0" indent="0">
               <a:buNone/>
-              <a:defRPr sz="2400" b="1"/>
+              <a:defRPr sz="1800" b="1"/>
             </a:lvl1pPr>
-            <a:lvl2pPr marL="457200" indent="0">
-              <a:buNone/>
-              <a:defRPr sz="2000" b="1"/>
+            <a:lvl2pPr marL="342900" indent="0">
+              <a:buNone/>
+              <a:defRPr sz="1500" b="1"/>
             </a:lvl2pPr>
-            <a:lvl3pPr marL="914400" indent="0">
-              <a:buNone/>
-              <a:defRPr sz="1800" b="1"/>
+            <a:lvl3pPr marL="685800" indent="0">
+              <a:buNone/>
+              <a:defRPr sz="1350" b="1"/>
             </a:lvl3pPr>
-            <a:lvl4pPr marL="1371600" indent="0">
-              <a:buNone/>
-              <a:defRPr sz="1600" b="1"/>
+            <a:lvl4pPr marL="1028700" indent="0">
+              <a:buNone/>
+              <a:defRPr sz="1200" b="1"/>
             </a:lvl4pPr>
-            <a:lvl5pPr marL="1828800" indent="0">
-              <a:buNone/>
-              <a:defRPr sz="1600" b="1"/>
+            <a:lvl5pPr marL="1371600" indent="0">
+              <a:buNone/>
+              <a:defRPr sz="1200" b="1"/>
             </a:lvl5pPr>
-            <a:lvl6pPr marL="2286000" indent="0">
-              <a:buNone/>
-              <a:defRPr sz="1600" b="1"/>
+            <a:lvl6pPr marL="1714500" indent="0">
+              <a:buNone/>
+              <a:defRPr sz="1200" b="1"/>
             </a:lvl6pPr>
-            <a:lvl7pPr marL="2743200" indent="0">
-              <a:buNone/>
-              <a:defRPr sz="1600" b="1"/>
+            <a:lvl7pPr marL="2057400" indent="0">
+              <a:buNone/>
+              <a:defRPr sz="1200" b="1"/>
             </a:lvl7pPr>
-            <a:lvl8pPr marL="3200400" indent="0">
-              <a:buNone/>
-              <a:defRPr sz="1600" b="1"/>
+            <a:lvl8pPr marL="2400300" indent="0">
+              <a:buNone/>
+              <a:defRPr sz="1200" b="1"/>
             </a:lvl8pPr>
-            <a:lvl9pPr marL="3657600" indent="0">
-              <a:buNone/>
-              <a:defRPr sz="1600" b="1"/>
+            <a:lvl9pPr marL="2743200" indent="0">
+              <a:buNone/>
+              <a:defRPr sz="1200" b="1"/>
             </a:lvl9pPr>
           </a:lstStyle>
           <a:p>
@@ -1549,7 +1749,13 @@
       </p:sp>
       <p:sp>
         <p:nvSpPr>
-          <p:cNvPr id="6" name="Content Placeholder 5"/>
+          <p:cNvPr id="6" name="Content Placeholder 5">
+            <a:extLst>
+              <a:ext uri="{FF2B5EF4-FFF2-40B4-BE49-F238E27FC236}">
+                <a16:creationId xmlns:a16="http://schemas.microsoft.com/office/drawing/2014/main" id="{15857E54-61F3-824A-86EE-4604ABC9EB1E}"/>
+              </a:ext>
+            </a:extLst>
+          </p:cNvPr>
           <p:cNvSpPr>
             <a:spLocks noGrp="1"/>
           </p:cNvSpPr>
@@ -1600,13 +1806,18 @@
               <a:rPr lang="en-GB"/>
               <a:t>Fifth level</a:t>
             </a:r>
-            <a:endParaRPr lang="en-US" dirty="0"/>
-          </a:p>
-        </p:txBody>
-      </p:sp>
-      <p:sp>
-        <p:nvSpPr>
-          <p:cNvPr id="7" name="Date Placeholder 6"/>
+          </a:p>
+        </p:txBody>
+      </p:sp>
+      <p:sp>
+        <p:nvSpPr>
+          <p:cNvPr id="7" name="Date Placeholder 6">
+            <a:extLst>
+              <a:ext uri="{FF2B5EF4-FFF2-40B4-BE49-F238E27FC236}">
+                <a16:creationId xmlns:a16="http://schemas.microsoft.com/office/drawing/2014/main" id="{35197020-3787-1D47-A130-513A28E55B96}"/>
+              </a:ext>
+            </a:extLst>
+          </p:cNvPr>
           <p:cNvSpPr>
             <a:spLocks noGrp="1"/>
           </p:cNvSpPr>
@@ -1621,7 +1832,7 @@
           <a:p>
             <a:fld id="{F6B75C2D-8946-494C-BE2F-E2999171E32C}" type="datetimeFigureOut">
               <a:rPr lang="en-GB" smtClean="0"/>
-              <a:t>16/02/2020</a:t>
+              <a:t>17/02/2020</a:t>
             </a:fld>
             <a:endParaRPr lang="en-GB"/>
           </a:p>
@@ -1629,7 +1840,13 @@
       </p:sp>
       <p:sp>
         <p:nvSpPr>
-          <p:cNvPr id="8" name="Footer Placeholder 7"/>
+          <p:cNvPr id="8" name="Footer Placeholder 7">
+            <a:extLst>
+              <a:ext uri="{FF2B5EF4-FFF2-40B4-BE49-F238E27FC236}">
+                <a16:creationId xmlns:a16="http://schemas.microsoft.com/office/drawing/2014/main" id="{0AB5A8C4-2433-8E41-8B33-263D73C11E5F}"/>
+              </a:ext>
+            </a:extLst>
+          </p:cNvPr>
           <p:cNvSpPr>
             <a:spLocks noGrp="1"/>
           </p:cNvSpPr>
@@ -1648,7 +1865,13 @@
       </p:sp>
       <p:sp>
         <p:nvSpPr>
-          <p:cNvPr id="9" name="Slide Number Placeholder 8"/>
+          <p:cNvPr id="9" name="Slide Number Placeholder 8">
+            <a:extLst>
+              <a:ext uri="{FF2B5EF4-FFF2-40B4-BE49-F238E27FC236}">
+                <a16:creationId xmlns:a16="http://schemas.microsoft.com/office/drawing/2014/main" id="{F18E602C-F80E-C345-BABC-91ABA2D4C7DB}"/>
+              </a:ext>
+            </a:extLst>
+          </p:cNvPr>
           <p:cNvSpPr>
             <a:spLocks noGrp="1"/>
           </p:cNvSpPr>
@@ -1672,7 +1895,7 @@
     </p:spTree>
     <p:extLst>
       <p:ext uri="{BB962C8B-B14F-4D97-AF65-F5344CB8AC3E}">
-        <p14:creationId xmlns:p14="http://schemas.microsoft.com/office/powerpoint/2010/main" val="2708404616"/>
+        <p14:creationId xmlns:p14="http://schemas.microsoft.com/office/powerpoint/2010/main" val="2779178091"/>
       </p:ext>
     </p:extLst>
   </p:cSld>
@@ -1701,7 +1924,13 @@
       </p:grpSpPr>
       <p:sp>
         <p:nvSpPr>
-          <p:cNvPr id="2" name="Title 1"/>
+          <p:cNvPr id="2" name="Title 1">
+            <a:extLst>
+              <a:ext uri="{FF2B5EF4-FFF2-40B4-BE49-F238E27FC236}">
+                <a16:creationId xmlns:a16="http://schemas.microsoft.com/office/drawing/2014/main" id="{0124A7CC-74CC-164C-BB3E-8E28617F13D8}"/>
+              </a:ext>
+            </a:extLst>
+          </p:cNvPr>
           <p:cNvSpPr>
             <a:spLocks noGrp="1"/>
           </p:cNvSpPr>
@@ -1718,13 +1947,18 @@
               <a:rPr lang="en-GB"/>
               <a:t>Click to edit Master title style</a:t>
             </a:r>
-            <a:endParaRPr lang="en-US" dirty="0"/>
-          </a:p>
-        </p:txBody>
-      </p:sp>
-      <p:sp>
-        <p:nvSpPr>
-          <p:cNvPr id="3" name="Date Placeholder 2"/>
+          </a:p>
+        </p:txBody>
+      </p:sp>
+      <p:sp>
+        <p:nvSpPr>
+          <p:cNvPr id="3" name="Date Placeholder 2">
+            <a:extLst>
+              <a:ext uri="{FF2B5EF4-FFF2-40B4-BE49-F238E27FC236}">
+                <a16:creationId xmlns:a16="http://schemas.microsoft.com/office/drawing/2014/main" id="{3A3F63ED-86EB-164C-A933-F4B4026236A9}"/>
+              </a:ext>
+            </a:extLst>
+          </p:cNvPr>
           <p:cNvSpPr>
             <a:spLocks noGrp="1"/>
           </p:cNvSpPr>
@@ -1739,7 +1973,7 @@
           <a:p>
             <a:fld id="{F6B75C2D-8946-494C-BE2F-E2999171E32C}" type="datetimeFigureOut">
               <a:rPr lang="en-GB" smtClean="0"/>
-              <a:t>16/02/2020</a:t>
+              <a:t>17/02/2020</a:t>
             </a:fld>
             <a:endParaRPr lang="en-GB"/>
           </a:p>
@@ -1747,7 +1981,13 @@
       </p:sp>
       <p:sp>
         <p:nvSpPr>
-          <p:cNvPr id="4" name="Footer Placeholder 3"/>
+          <p:cNvPr id="4" name="Footer Placeholder 3">
+            <a:extLst>
+              <a:ext uri="{FF2B5EF4-FFF2-40B4-BE49-F238E27FC236}">
+                <a16:creationId xmlns:a16="http://schemas.microsoft.com/office/drawing/2014/main" id="{3AF97211-C848-9A4E-AA8B-54315FA12A2D}"/>
+              </a:ext>
+            </a:extLst>
+          </p:cNvPr>
           <p:cNvSpPr>
             <a:spLocks noGrp="1"/>
           </p:cNvSpPr>
@@ -1766,7 +2006,13 @@
       </p:sp>
       <p:sp>
         <p:nvSpPr>
-          <p:cNvPr id="5" name="Slide Number Placeholder 4"/>
+          <p:cNvPr id="5" name="Slide Number Placeholder 4">
+            <a:extLst>
+              <a:ext uri="{FF2B5EF4-FFF2-40B4-BE49-F238E27FC236}">
+                <a16:creationId xmlns:a16="http://schemas.microsoft.com/office/drawing/2014/main" id="{8FC21693-257B-9C4F-A082-78A2657A09B0}"/>
+              </a:ext>
+            </a:extLst>
+          </p:cNvPr>
           <p:cNvSpPr>
             <a:spLocks noGrp="1"/>
           </p:cNvSpPr>
@@ -1790,7 +2036,7 @@
     </p:spTree>
     <p:extLst>
       <p:ext uri="{BB962C8B-B14F-4D97-AF65-F5344CB8AC3E}">
-        <p14:creationId xmlns:p14="http://schemas.microsoft.com/office/powerpoint/2010/main" val="253419491"/>
+        <p14:creationId xmlns:p14="http://schemas.microsoft.com/office/powerpoint/2010/main" val="212626152"/>
       </p:ext>
     </p:extLst>
   </p:cSld>
@@ -1819,7 +2065,13 @@
       </p:grpSpPr>
       <p:sp>
         <p:nvSpPr>
-          <p:cNvPr id="2" name="Date Placeholder 1"/>
+          <p:cNvPr id="2" name="Date Placeholder 1">
+            <a:extLst>
+              <a:ext uri="{FF2B5EF4-FFF2-40B4-BE49-F238E27FC236}">
+                <a16:creationId xmlns:a16="http://schemas.microsoft.com/office/drawing/2014/main" id="{71A0ABCC-C6F1-C346-90DC-DCA291CA4C5C}"/>
+              </a:ext>
+            </a:extLst>
+          </p:cNvPr>
           <p:cNvSpPr>
             <a:spLocks noGrp="1"/>
           </p:cNvSpPr>
@@ -1834,7 +2086,7 @@
           <a:p>
             <a:fld id="{F6B75C2D-8946-494C-BE2F-E2999171E32C}" type="datetimeFigureOut">
               <a:rPr lang="en-GB" smtClean="0"/>
-              <a:t>16/02/2020</a:t>
+              <a:t>17/02/2020</a:t>
             </a:fld>
             <a:endParaRPr lang="en-GB"/>
           </a:p>
@@ -1842,7 +2094,13 @@
       </p:sp>
       <p:sp>
         <p:nvSpPr>
-          <p:cNvPr id="3" name="Footer Placeholder 2"/>
+          <p:cNvPr id="3" name="Footer Placeholder 2">
+            <a:extLst>
+              <a:ext uri="{FF2B5EF4-FFF2-40B4-BE49-F238E27FC236}">
+                <a16:creationId xmlns:a16="http://schemas.microsoft.com/office/drawing/2014/main" id="{CE2F2F60-5705-F140-888B-A29D1CE3F359}"/>
+              </a:ext>
+            </a:extLst>
+          </p:cNvPr>
           <p:cNvSpPr>
             <a:spLocks noGrp="1"/>
           </p:cNvSpPr>
@@ -1861,7 +2119,13 @@
       </p:sp>
       <p:sp>
         <p:nvSpPr>
-          <p:cNvPr id="4" name="Slide Number Placeholder 3"/>
+          <p:cNvPr id="4" name="Slide Number Placeholder 3">
+            <a:extLst>
+              <a:ext uri="{FF2B5EF4-FFF2-40B4-BE49-F238E27FC236}">
+                <a16:creationId xmlns:a16="http://schemas.microsoft.com/office/drawing/2014/main" id="{1A1E6761-5C3B-7141-BA7D-4BD89A32A596}"/>
+              </a:ext>
+            </a:extLst>
+          </p:cNvPr>
           <p:cNvSpPr>
             <a:spLocks noGrp="1"/>
           </p:cNvSpPr>
@@ -1885,7 +2149,7 @@
     </p:spTree>
     <p:extLst>
       <p:ext uri="{BB962C8B-B14F-4D97-AF65-F5344CB8AC3E}">
-        <p14:creationId xmlns:p14="http://schemas.microsoft.com/office/powerpoint/2010/main" val="4086943984"/>
+        <p14:creationId xmlns:p14="http://schemas.microsoft.com/office/powerpoint/2010/main" val="2710287447"/>
       </p:ext>
     </p:extLst>
   </p:cSld>
@@ -1914,7 +2178,13 @@
       </p:grpSpPr>
       <p:sp>
         <p:nvSpPr>
-          <p:cNvPr id="2" name="Title 1"/>
+          <p:cNvPr id="2" name="Title 1">
+            <a:extLst>
+              <a:ext uri="{FF2B5EF4-FFF2-40B4-BE49-F238E27FC236}">
+                <a16:creationId xmlns:a16="http://schemas.microsoft.com/office/drawing/2014/main" id="{4B809328-A340-8146-9734-A5D41A3A5355}"/>
+              </a:ext>
+            </a:extLst>
+          </p:cNvPr>
           <p:cNvSpPr>
             <a:spLocks noGrp="1"/>
           </p:cNvSpPr>
@@ -1932,7 +2202,7 @@
           <a:bodyPr anchor="b"/>
           <a:lstStyle>
             <a:lvl1pPr>
-              <a:defRPr sz="3200"/>
+              <a:defRPr sz="2400"/>
             </a:lvl1pPr>
           </a:lstStyle>
           <a:p>
@@ -1940,13 +2210,18 @@
               <a:rPr lang="en-GB"/>
               <a:t>Click to edit Master title style</a:t>
             </a:r>
-            <a:endParaRPr lang="en-US" dirty="0"/>
-          </a:p>
-        </p:txBody>
-      </p:sp>
-      <p:sp>
-        <p:nvSpPr>
-          <p:cNvPr id="3" name="Content Placeholder 2"/>
+          </a:p>
+        </p:txBody>
+      </p:sp>
+      <p:sp>
+        <p:nvSpPr>
+          <p:cNvPr id="3" name="Content Placeholder 2">
+            <a:extLst>
+              <a:ext uri="{FF2B5EF4-FFF2-40B4-BE49-F238E27FC236}">
+                <a16:creationId xmlns:a16="http://schemas.microsoft.com/office/drawing/2014/main" id="{9AF82EB1-1DFC-5044-B1C9-E11BDFE79C73}"/>
+              </a:ext>
+            </a:extLst>
+          </p:cNvPr>
           <p:cNvSpPr>
             <a:spLocks noGrp="1"/>
           </p:cNvSpPr>
@@ -1964,31 +2239,31 @@
           <a:bodyPr/>
           <a:lstStyle>
             <a:lvl1pPr>
-              <a:defRPr sz="3200"/>
+              <a:defRPr sz="2400"/>
             </a:lvl1pPr>
             <a:lvl2pPr>
-              <a:defRPr sz="2800"/>
+              <a:defRPr sz="2100"/>
             </a:lvl2pPr>
             <a:lvl3pPr>
-              <a:defRPr sz="2400"/>
+              <a:defRPr sz="1800"/>
             </a:lvl3pPr>
             <a:lvl4pPr>
-              <a:defRPr sz="2000"/>
+              <a:defRPr sz="1500"/>
             </a:lvl4pPr>
             <a:lvl5pPr>
-              <a:defRPr sz="2000"/>
+              <a:defRPr sz="1500"/>
             </a:lvl5pPr>
             <a:lvl6pPr>
-              <a:defRPr sz="2000"/>
+              <a:defRPr sz="1500"/>
             </a:lvl6pPr>
             <a:lvl7pPr>
-              <a:defRPr sz="2000"/>
+              <a:defRPr sz="1500"/>
             </a:lvl7pPr>
             <a:lvl8pPr>
-              <a:defRPr sz="2000"/>
+              <a:defRPr sz="1500"/>
             </a:lvl8pPr>
             <a:lvl9pPr>
-              <a:defRPr sz="2000"/>
+              <a:defRPr sz="1500"/>
             </a:lvl9pPr>
           </a:lstStyle>
           <a:p>
@@ -2025,13 +2300,18 @@
               <a:rPr lang="en-GB"/>
               <a:t>Fifth level</a:t>
             </a:r>
-            <a:endParaRPr lang="en-US" dirty="0"/>
-          </a:p>
-        </p:txBody>
-      </p:sp>
-      <p:sp>
-        <p:nvSpPr>
-          <p:cNvPr id="4" name="Text Placeholder 3"/>
+          </a:p>
+        </p:txBody>
+      </p:sp>
+      <p:sp>
+        <p:nvSpPr>
+          <p:cNvPr id="4" name="Text Placeholder 3">
+            <a:extLst>
+              <a:ext uri="{FF2B5EF4-FFF2-40B4-BE49-F238E27FC236}">
+                <a16:creationId xmlns:a16="http://schemas.microsoft.com/office/drawing/2014/main" id="{5D2DCF95-6ABC-D646-956A-8167D5A77CC3}"/>
+              </a:ext>
+            </a:extLst>
+          </p:cNvPr>
           <p:cNvSpPr>
             <a:spLocks noGrp="1"/>
           </p:cNvSpPr>
@@ -2050,39 +2330,39 @@
           <a:lstStyle>
             <a:lvl1pPr marL="0" indent="0">
               <a:buNone/>
-              <a:defRPr sz="1600"/>
+              <a:defRPr sz="1200"/>
             </a:lvl1pPr>
-            <a:lvl2pPr marL="457200" indent="0">
-              <a:buNone/>
-              <a:defRPr sz="1400"/>
+            <a:lvl2pPr marL="342900" indent="0">
+              <a:buNone/>
+              <a:defRPr sz="1050"/>
             </a:lvl2pPr>
-            <a:lvl3pPr marL="914400" indent="0">
-              <a:buNone/>
-              <a:defRPr sz="1200"/>
+            <a:lvl3pPr marL="685800" indent="0">
+              <a:buNone/>
+              <a:defRPr sz="900"/>
             </a:lvl3pPr>
-            <a:lvl4pPr marL="1371600" indent="0">
-              <a:buNone/>
-              <a:defRPr sz="1000"/>
+            <a:lvl4pPr marL="1028700" indent="0">
+              <a:buNone/>
+              <a:defRPr sz="750"/>
             </a:lvl4pPr>
-            <a:lvl5pPr marL="1828800" indent="0">
-              <a:buNone/>
-              <a:defRPr sz="1000"/>
+            <a:lvl5pPr marL="1371600" indent="0">
+              <a:buNone/>
+              <a:defRPr sz="750"/>
             </a:lvl5pPr>
-            <a:lvl6pPr marL="2286000" indent="0">
-              <a:buNone/>
-              <a:defRPr sz="1000"/>
+            <a:lvl6pPr marL="1714500" indent="0">
+              <a:buNone/>
+              <a:defRPr sz="750"/>
             </a:lvl6pPr>
-            <a:lvl7pPr marL="2743200" indent="0">
-              <a:buNone/>
-              <a:defRPr sz="1000"/>
+            <a:lvl7pPr marL="2057400" indent="0">
+              <a:buNone/>
+              <a:defRPr sz="750"/>
             </a:lvl7pPr>
-            <a:lvl8pPr marL="3200400" indent="0">
-              <a:buNone/>
-              <a:defRPr sz="1000"/>
+            <a:lvl8pPr marL="2400300" indent="0">
+              <a:buNone/>
+              <a:defRPr sz="750"/>
             </a:lvl8pPr>
-            <a:lvl9pPr marL="3657600" indent="0">
-              <a:buNone/>
-              <a:defRPr sz="1000"/>
+            <a:lvl9pPr marL="2743200" indent="0">
+              <a:buNone/>
+              <a:defRPr sz="750"/>
             </a:lvl9pPr>
           </a:lstStyle>
           <a:p>
@@ -2096,7 +2376,13 @@
       </p:sp>
       <p:sp>
         <p:nvSpPr>
-          <p:cNvPr id="5" name="Date Placeholder 4"/>
+          <p:cNvPr id="5" name="Date Placeholder 4">
+            <a:extLst>
+              <a:ext uri="{FF2B5EF4-FFF2-40B4-BE49-F238E27FC236}">
+                <a16:creationId xmlns:a16="http://schemas.microsoft.com/office/drawing/2014/main" id="{7CCC0454-7EF6-7549-8189-7229B4EBE38E}"/>
+              </a:ext>
+            </a:extLst>
+          </p:cNvPr>
           <p:cNvSpPr>
             <a:spLocks noGrp="1"/>
           </p:cNvSpPr>
@@ -2111,7 +2397,7 @@
           <a:p>
             <a:fld id="{F6B75C2D-8946-494C-BE2F-E2999171E32C}" type="datetimeFigureOut">
               <a:rPr lang="en-GB" smtClean="0"/>
-              <a:t>16/02/2020</a:t>
+              <a:t>17/02/2020</a:t>
             </a:fld>
             <a:endParaRPr lang="en-GB"/>
           </a:p>
@@ -2119,7 +2405,13 @@
       </p:sp>
       <p:sp>
         <p:nvSpPr>
-          <p:cNvPr id="6" name="Footer Placeholder 5"/>
+          <p:cNvPr id="6" name="Footer Placeholder 5">
+            <a:extLst>
+              <a:ext uri="{FF2B5EF4-FFF2-40B4-BE49-F238E27FC236}">
+                <a16:creationId xmlns:a16="http://schemas.microsoft.com/office/drawing/2014/main" id="{2849A403-E525-1C4F-BC91-3F5D340D1998}"/>
+              </a:ext>
+            </a:extLst>
+          </p:cNvPr>
           <p:cNvSpPr>
             <a:spLocks noGrp="1"/>
           </p:cNvSpPr>
@@ -2138,7 +2430,13 @@
       </p:sp>
       <p:sp>
         <p:nvSpPr>
-          <p:cNvPr id="7" name="Slide Number Placeholder 6"/>
+          <p:cNvPr id="7" name="Slide Number Placeholder 6">
+            <a:extLst>
+              <a:ext uri="{FF2B5EF4-FFF2-40B4-BE49-F238E27FC236}">
+                <a16:creationId xmlns:a16="http://schemas.microsoft.com/office/drawing/2014/main" id="{97E37D33-ED2A-6540-BA6A-B32101070C6B}"/>
+              </a:ext>
+            </a:extLst>
+          </p:cNvPr>
           <p:cNvSpPr>
             <a:spLocks noGrp="1"/>
           </p:cNvSpPr>
@@ -2162,7 +2460,7 @@
     </p:spTree>
     <p:extLst>
       <p:ext uri="{BB962C8B-B14F-4D97-AF65-F5344CB8AC3E}">
-        <p14:creationId xmlns:p14="http://schemas.microsoft.com/office/powerpoint/2010/main" val="4191004537"/>
+        <p14:creationId xmlns:p14="http://schemas.microsoft.com/office/powerpoint/2010/main" val="1375324857"/>
       </p:ext>
     </p:extLst>
   </p:cSld>
@@ -2191,7 +2489,13 @@
       </p:grpSpPr>
       <p:sp>
         <p:nvSpPr>
-          <p:cNvPr id="2" name="Title 1"/>
+          <p:cNvPr id="2" name="Title 1">
+            <a:extLst>
+              <a:ext uri="{FF2B5EF4-FFF2-40B4-BE49-F238E27FC236}">
+                <a16:creationId xmlns:a16="http://schemas.microsoft.com/office/drawing/2014/main" id="{8D053B79-7FE6-F14E-BECF-627BF719165B}"/>
+              </a:ext>
+            </a:extLst>
+          </p:cNvPr>
           <p:cNvSpPr>
             <a:spLocks noGrp="1"/>
           </p:cNvSpPr>
@@ -2209,7 +2513,7 @@
           <a:bodyPr anchor="b"/>
           <a:lstStyle>
             <a:lvl1pPr>
-              <a:defRPr sz="3200"/>
+              <a:defRPr sz="2400"/>
             </a:lvl1pPr>
           </a:lstStyle>
           <a:p>
@@ -2217,15 +2521,20 @@
               <a:rPr lang="en-GB"/>
               <a:t>Click to edit Master title style</a:t>
             </a:r>
-            <a:endParaRPr lang="en-US" dirty="0"/>
-          </a:p>
-        </p:txBody>
-      </p:sp>
-      <p:sp>
-        <p:nvSpPr>
-          <p:cNvPr id="3" name="Picture Placeholder 2"/>
-          <p:cNvSpPr>
-            <a:spLocks noGrp="1" noChangeAspect="1"/>
+          </a:p>
+        </p:txBody>
+      </p:sp>
+      <p:sp>
+        <p:nvSpPr>
+          <p:cNvPr id="3" name="Picture Placeholder 2">
+            <a:extLst>
+              <a:ext uri="{FF2B5EF4-FFF2-40B4-BE49-F238E27FC236}">
+                <a16:creationId xmlns:a16="http://schemas.microsoft.com/office/drawing/2014/main" id="{FA8C5E23-953C-3446-8845-59482DEA955C}"/>
+              </a:ext>
+            </a:extLst>
+          </p:cNvPr>
+          <p:cNvSpPr>
+            <a:spLocks noGrp="1"/>
           </p:cNvSpPr>
           <p:nvPr>
             <p:ph type="pic" idx="1"/>
@@ -2238,57 +2547,59 @@
           </a:xfrm>
         </p:spPr>
         <p:txBody>
-          <a:bodyPr anchor="t"/>
+          <a:bodyPr/>
           <a:lstStyle>
             <a:lvl1pPr marL="0" indent="0">
               <a:buNone/>
-              <a:defRPr sz="3200"/>
+              <a:defRPr sz="2400"/>
             </a:lvl1pPr>
-            <a:lvl2pPr marL="457200" indent="0">
-              <a:buNone/>
-              <a:defRPr sz="2800"/>
+            <a:lvl2pPr marL="342900" indent="0">
+              <a:buNone/>
+              <a:defRPr sz="2100"/>
             </a:lvl2pPr>
-            <a:lvl3pPr marL="914400" indent="0">
-              <a:buNone/>
-              <a:defRPr sz="2400"/>
+            <a:lvl3pPr marL="685800" indent="0">
+              <a:buNone/>
+              <a:defRPr sz="1800"/>
             </a:lvl3pPr>
-            <a:lvl4pPr marL="1371600" indent="0">
-              <a:buNone/>
-              <a:defRPr sz="2000"/>
+            <a:lvl4pPr marL="1028700" indent="0">
+              <a:buNone/>
+              <a:defRPr sz="1500"/>
             </a:lvl4pPr>
-            <a:lvl5pPr marL="1828800" indent="0">
-              <a:buNone/>
-              <a:defRPr sz="2000"/>
+            <a:lvl5pPr marL="1371600" indent="0">
+              <a:buNone/>
+              <a:defRPr sz="1500"/>
             </a:lvl5pPr>
-            <a:lvl6pPr marL="2286000" indent="0">
-              <a:buNone/>
-              <a:defRPr sz="2000"/>
+            <a:lvl6pPr marL="1714500" indent="0">
+              <a:buNone/>
+              <a:defRPr sz="1500"/>
             </a:lvl6pPr>
-            <a:lvl7pPr marL="2743200" indent="0">
-              <a:buNone/>
-              <a:defRPr sz="2000"/>
+            <a:lvl7pPr marL="2057400" indent="0">
+              <a:buNone/>
+              <a:defRPr sz="1500"/>
             </a:lvl7pPr>
-            <a:lvl8pPr marL="3200400" indent="0">
-              <a:buNone/>
-              <a:defRPr sz="2000"/>
+            <a:lvl8pPr marL="2400300" indent="0">
+              <a:buNone/>
+              <a:defRPr sz="1500"/>
             </a:lvl8pPr>
-            <a:lvl9pPr marL="3657600" indent="0">
-              <a:buNone/>
-              <a:defRPr sz="2000"/>
+            <a:lvl9pPr marL="2743200" indent="0">
+              <a:buNone/>
+              <a:defRPr sz="1500"/>
             </a:lvl9pPr>
           </a:lstStyle>
           <a:p>
-            <a:r>
-              <a:rPr lang="en-GB"/>
-              <a:t>Click icon to add picture</a:t>
-            </a:r>
-            <a:endParaRPr lang="en-US" dirty="0"/>
-          </a:p>
-        </p:txBody>
-      </p:sp>
-      <p:sp>
-        <p:nvSpPr>
-          <p:cNvPr id="4" name="Text Placeholder 3"/>
+            <a:endParaRPr lang="en-GB"/>
+          </a:p>
+        </p:txBody>
+      </p:sp>
+      <p:sp>
+        <p:nvSpPr>
+          <p:cNvPr id="4" name="Text Placeholder 3">
+            <a:extLst>
+              <a:ext uri="{FF2B5EF4-FFF2-40B4-BE49-F238E27FC236}">
+                <a16:creationId xmlns:a16="http://schemas.microsoft.com/office/drawing/2014/main" id="{C39FBCB2-5FC1-0D4F-880B-80AAAB6F8976}"/>
+              </a:ext>
+            </a:extLst>
+          </p:cNvPr>
           <p:cNvSpPr>
             <a:spLocks noGrp="1"/>
           </p:cNvSpPr>
@@ -2307,39 +2618,39 @@
           <a:lstStyle>
             <a:lvl1pPr marL="0" indent="0">
               <a:buNone/>
-              <a:defRPr sz="1600"/>
+              <a:defRPr sz="1200"/>
             </a:lvl1pPr>
-            <a:lvl2pPr marL="457200" indent="0">
-              <a:buNone/>
-              <a:defRPr sz="1400"/>
+            <a:lvl2pPr marL="342900" indent="0">
+              <a:buNone/>
+              <a:defRPr sz="1050"/>
             </a:lvl2pPr>
-            <a:lvl3pPr marL="914400" indent="0">
-              <a:buNone/>
-              <a:defRPr sz="1200"/>
+            <a:lvl3pPr marL="685800" indent="0">
+              <a:buNone/>
+              <a:defRPr sz="900"/>
             </a:lvl3pPr>
-            <a:lvl4pPr marL="1371600" indent="0">
-              <a:buNone/>
-              <a:defRPr sz="1000"/>
+            <a:lvl4pPr marL="1028700" indent="0">
+              <a:buNone/>
+              <a:defRPr sz="750"/>
             </a:lvl4pPr>
-            <a:lvl5pPr marL="1828800" indent="0">
-              <a:buNone/>
-              <a:defRPr sz="1000"/>
+            <a:lvl5pPr marL="1371600" indent="0">
+              <a:buNone/>
+              <a:defRPr sz="750"/>
             </a:lvl5pPr>
-            <a:lvl6pPr marL="2286000" indent="0">
-              <a:buNone/>
-              <a:defRPr sz="1000"/>
+            <a:lvl6pPr marL="1714500" indent="0">
+              <a:buNone/>
+              <a:defRPr sz="750"/>
             </a:lvl6pPr>
-            <a:lvl7pPr marL="2743200" indent="0">
-              <a:buNone/>
-              <a:defRPr sz="1000"/>
+            <a:lvl7pPr marL="2057400" indent="0">
+              <a:buNone/>
+              <a:defRPr sz="750"/>
             </a:lvl7pPr>
-            <a:lvl8pPr marL="3200400" indent="0">
-              <a:buNone/>
-              <a:defRPr sz="1000"/>
+            <a:lvl8pPr marL="2400300" indent="0">
+              <a:buNone/>
+              <a:defRPr sz="750"/>
             </a:lvl8pPr>
-            <a:lvl9pPr marL="3657600" indent="0">
-              <a:buNone/>
-              <a:defRPr sz="1000"/>
+            <a:lvl9pPr marL="2743200" indent="0">
+              <a:buNone/>
+              <a:defRPr sz="750"/>
             </a:lvl9pPr>
           </a:lstStyle>
           <a:p>
@@ -2353,7 +2664,13 @@
       </p:sp>
       <p:sp>
         <p:nvSpPr>
-          <p:cNvPr id="5" name="Date Placeholder 4"/>
+          <p:cNvPr id="5" name="Date Placeholder 4">
+            <a:extLst>
+              <a:ext uri="{FF2B5EF4-FFF2-40B4-BE49-F238E27FC236}">
+                <a16:creationId xmlns:a16="http://schemas.microsoft.com/office/drawing/2014/main" id="{9208D80B-8A71-BE48-BC14-C4917C13C816}"/>
+              </a:ext>
+            </a:extLst>
+          </p:cNvPr>
           <p:cNvSpPr>
             <a:spLocks noGrp="1"/>
           </p:cNvSpPr>
@@ -2368,7 +2685,7 @@
           <a:p>
             <a:fld id="{F6B75C2D-8946-494C-BE2F-E2999171E32C}" type="datetimeFigureOut">
               <a:rPr lang="en-GB" smtClean="0"/>
-              <a:t>16/02/2020</a:t>
+              <a:t>17/02/2020</a:t>
             </a:fld>
             <a:endParaRPr lang="en-GB"/>
           </a:p>
@@ -2376,7 +2693,13 @@
       </p:sp>
       <p:sp>
         <p:nvSpPr>
-          <p:cNvPr id="6" name="Footer Placeholder 5"/>
+          <p:cNvPr id="6" name="Footer Placeholder 5">
+            <a:extLst>
+              <a:ext uri="{FF2B5EF4-FFF2-40B4-BE49-F238E27FC236}">
+                <a16:creationId xmlns:a16="http://schemas.microsoft.com/office/drawing/2014/main" id="{503BB0B9-8ED7-B24F-8BBB-9972018F6751}"/>
+              </a:ext>
+            </a:extLst>
+          </p:cNvPr>
           <p:cNvSpPr>
             <a:spLocks noGrp="1"/>
           </p:cNvSpPr>
@@ -2395,7 +2718,13 @@
       </p:sp>
       <p:sp>
         <p:nvSpPr>
-          <p:cNvPr id="7" name="Slide Number Placeholder 6"/>
+          <p:cNvPr id="7" name="Slide Number Placeholder 6">
+            <a:extLst>
+              <a:ext uri="{FF2B5EF4-FFF2-40B4-BE49-F238E27FC236}">
+                <a16:creationId xmlns:a16="http://schemas.microsoft.com/office/drawing/2014/main" id="{E759F416-918D-8748-9D52-9F7F4CE05581}"/>
+              </a:ext>
+            </a:extLst>
+          </p:cNvPr>
           <p:cNvSpPr>
             <a:spLocks noGrp="1"/>
           </p:cNvSpPr>
@@ -2419,7 +2748,7 @@
     </p:spTree>
     <p:extLst>
       <p:ext uri="{BB962C8B-B14F-4D97-AF65-F5344CB8AC3E}">
-        <p14:creationId xmlns:p14="http://schemas.microsoft.com/office/powerpoint/2010/main" val="4151147592"/>
+        <p14:creationId xmlns:p14="http://schemas.microsoft.com/office/powerpoint/2010/main" val="707979294"/>
       </p:ext>
     </p:extLst>
   </p:cSld>
@@ -2453,7 +2782,13 @@
       </p:grpSpPr>
       <p:sp>
         <p:nvSpPr>
-          <p:cNvPr id="2" name="Title Placeholder 1"/>
+          <p:cNvPr id="2" name="Title Placeholder 1">
+            <a:extLst>
+              <a:ext uri="{FF2B5EF4-FFF2-40B4-BE49-F238E27FC236}">
+                <a16:creationId xmlns:a16="http://schemas.microsoft.com/office/drawing/2014/main" id="{38110B34-E41E-B640-88A0-6293807F84E6}"/>
+              </a:ext>
+            </a:extLst>
+          </p:cNvPr>
           <p:cNvSpPr>
             <a:spLocks noGrp="1"/>
           </p:cNvSpPr>
@@ -2480,13 +2815,18 @@
               <a:rPr lang="en-GB"/>
               <a:t>Click to edit Master title style</a:t>
             </a:r>
-            <a:endParaRPr lang="en-US" dirty="0"/>
-          </a:p>
-        </p:txBody>
-      </p:sp>
-      <p:sp>
-        <p:nvSpPr>
-          <p:cNvPr id="3" name="Text Placeholder 2"/>
+          </a:p>
+        </p:txBody>
+      </p:sp>
+      <p:sp>
+        <p:nvSpPr>
+          <p:cNvPr id="3" name="Text Placeholder 2">
+            <a:extLst>
+              <a:ext uri="{FF2B5EF4-FFF2-40B4-BE49-F238E27FC236}">
+                <a16:creationId xmlns:a16="http://schemas.microsoft.com/office/drawing/2014/main" id="{A418F8CC-6A33-E044-A813-A1392FB35E43}"/>
+              </a:ext>
+            </a:extLst>
+          </p:cNvPr>
           <p:cNvSpPr>
             <a:spLocks noGrp="1"/>
           </p:cNvSpPr>
@@ -2542,13 +2882,18 @@
               <a:rPr lang="en-GB"/>
               <a:t>Fifth level</a:t>
             </a:r>
-            <a:endParaRPr lang="en-US" dirty="0"/>
-          </a:p>
-        </p:txBody>
-      </p:sp>
-      <p:sp>
-        <p:nvSpPr>
-          <p:cNvPr id="4" name="Date Placeholder 3"/>
+          </a:p>
+        </p:txBody>
+      </p:sp>
+      <p:sp>
+        <p:nvSpPr>
+          <p:cNvPr id="4" name="Date Placeholder 3">
+            <a:extLst>
+              <a:ext uri="{FF2B5EF4-FFF2-40B4-BE49-F238E27FC236}">
+                <a16:creationId xmlns:a16="http://schemas.microsoft.com/office/drawing/2014/main" id="{7F5B398C-D48E-4B4E-8BE6-06A373B877C2}"/>
+              </a:ext>
+            </a:extLst>
+          </p:cNvPr>
           <p:cNvSpPr>
             <a:spLocks noGrp="1"/>
           </p:cNvSpPr>
@@ -2569,7 +2914,7 @@
           <a:bodyPr vert="horz" lIns="91440" tIns="45720" rIns="91440" bIns="45720" rtlCol="0" anchor="ctr"/>
           <a:lstStyle>
             <a:lvl1pPr algn="l">
-              <a:defRPr sz="1200">
+              <a:defRPr sz="900">
                 <a:solidFill>
                   <a:schemeClr val="tx1">
                     <a:tint val="75000"/>
@@ -2581,7 +2926,7 @@
           <a:p>
             <a:fld id="{F6B75C2D-8946-494C-BE2F-E2999171E32C}" type="datetimeFigureOut">
               <a:rPr lang="en-GB" smtClean="0"/>
-              <a:t>16/02/2020</a:t>
+              <a:t>17/02/2020</a:t>
             </a:fld>
             <a:endParaRPr lang="en-GB"/>
           </a:p>
@@ -2589,7 +2934,13 @@
       </p:sp>
       <p:sp>
         <p:nvSpPr>
-          <p:cNvPr id="5" name="Footer Placeholder 4"/>
+          <p:cNvPr id="5" name="Footer Placeholder 4">
+            <a:extLst>
+              <a:ext uri="{FF2B5EF4-FFF2-40B4-BE49-F238E27FC236}">
+                <a16:creationId xmlns:a16="http://schemas.microsoft.com/office/drawing/2014/main" id="{E5D1BDA0-3049-6342-9C54-E88462F5F881}"/>
+              </a:ext>
+            </a:extLst>
+          </p:cNvPr>
           <p:cNvSpPr>
             <a:spLocks noGrp="1"/>
           </p:cNvSpPr>
@@ -2610,7 +2961,7 @@
           <a:bodyPr vert="horz" lIns="91440" tIns="45720" rIns="91440" bIns="45720" rtlCol="0" anchor="ctr"/>
           <a:lstStyle>
             <a:lvl1pPr algn="ctr">
-              <a:defRPr sz="1200">
+              <a:defRPr sz="900">
                 <a:solidFill>
                   <a:schemeClr val="tx1">
                     <a:tint val="75000"/>
@@ -2626,7 +2977,13 @@
       </p:sp>
       <p:sp>
         <p:nvSpPr>
-          <p:cNvPr id="6" name="Slide Number Placeholder 5"/>
+          <p:cNvPr id="6" name="Slide Number Placeholder 5">
+            <a:extLst>
+              <a:ext uri="{FF2B5EF4-FFF2-40B4-BE49-F238E27FC236}">
+                <a16:creationId xmlns:a16="http://schemas.microsoft.com/office/drawing/2014/main" id="{D37221C0-6EB2-C042-8F2F-DD4218DDF58A}"/>
+              </a:ext>
+            </a:extLst>
+          </p:cNvPr>
           <p:cNvSpPr>
             <a:spLocks noGrp="1"/>
           </p:cNvSpPr>
@@ -2647,7 +3004,7 @@
           <a:bodyPr vert="horz" lIns="91440" tIns="45720" rIns="91440" bIns="45720" rtlCol="0" anchor="ctr"/>
           <a:lstStyle>
             <a:lvl1pPr algn="r">
-              <a:defRPr sz="1200">
+              <a:defRPr sz="900">
                 <a:solidFill>
                   <a:schemeClr val="tx1">
                     <a:tint val="75000"/>
@@ -2668,27 +3025,27 @@
     </p:spTree>
     <p:extLst>
       <p:ext uri="{BB962C8B-B14F-4D97-AF65-F5344CB8AC3E}">
-        <p14:creationId xmlns:p14="http://schemas.microsoft.com/office/powerpoint/2010/main" val="2601783048"/>
+        <p14:creationId xmlns:p14="http://schemas.microsoft.com/office/powerpoint/2010/main" val="655759355"/>
       </p:ext>
     </p:extLst>
   </p:cSld>
   <p:clrMap bg1="lt1" tx1="dk1" bg2="lt2" tx2="dk2" accent1="accent1" accent2="accent2" accent3="accent3" accent4="accent4" accent5="accent5" accent6="accent6" hlink="hlink" folHlink="folHlink"/>
   <p:sldLayoutIdLst>
-    <p:sldLayoutId id="2147483661" r:id="rId1"/>
-    <p:sldLayoutId id="2147483662" r:id="rId2"/>
-    <p:sldLayoutId id="2147483663" r:id="rId3"/>
-    <p:sldLayoutId id="2147483664" r:id="rId4"/>
-    <p:sldLayoutId id="2147483665" r:id="rId5"/>
-    <p:sldLayoutId id="2147483666" r:id="rId6"/>
-    <p:sldLayoutId id="2147483667" r:id="rId7"/>
-    <p:sldLayoutId id="2147483668" r:id="rId8"/>
-    <p:sldLayoutId id="2147483669" r:id="rId9"/>
-    <p:sldLayoutId id="2147483670" r:id="rId10"/>
-    <p:sldLayoutId id="2147483671" r:id="rId11"/>
+    <p:sldLayoutId id="2147483757" r:id="rId1"/>
+    <p:sldLayoutId id="2147483758" r:id="rId2"/>
+    <p:sldLayoutId id="2147483759" r:id="rId3"/>
+    <p:sldLayoutId id="2147483760" r:id="rId4"/>
+    <p:sldLayoutId id="2147483761" r:id="rId5"/>
+    <p:sldLayoutId id="2147483762" r:id="rId6"/>
+    <p:sldLayoutId id="2147483763" r:id="rId7"/>
+    <p:sldLayoutId id="2147483764" r:id="rId8"/>
+    <p:sldLayoutId id="2147483765" r:id="rId9"/>
+    <p:sldLayoutId id="2147483766" r:id="rId10"/>
+    <p:sldLayoutId id="2147483767" r:id="rId11"/>
   </p:sldLayoutIdLst>
   <p:txStyles>
     <p:titleStyle>
-      <a:lvl1pPr algn="l" defTabSz="914400" rtl="0" eaLnBrk="1" latinLnBrk="0" hangingPunct="1">
+      <a:lvl1pPr algn="l" defTabSz="685800" rtl="0" eaLnBrk="1" latinLnBrk="0" hangingPunct="1">
         <a:lnSpc>
           <a:spcPct val="90000"/>
         </a:lnSpc>
@@ -2696,7 +3053,7 @@
           <a:spcPct val="0"/>
         </a:spcBef>
         <a:buNone/>
-        <a:defRPr sz="4400" kern="1200">
+        <a:defRPr sz="3300" kern="1200">
           <a:solidFill>
             <a:schemeClr val="tx1"/>
           </a:solidFill>
@@ -2707,16 +3064,16 @@
       </a:lvl1pPr>
     </p:titleStyle>
     <p:bodyStyle>
-      <a:lvl1pPr marL="228600" indent="-228600" algn="l" defTabSz="914400" rtl="0" eaLnBrk="1" latinLnBrk="0" hangingPunct="1">
+      <a:lvl1pPr marL="171450" indent="-171450" algn="l" defTabSz="685800" rtl="0" eaLnBrk="1" latinLnBrk="0" hangingPunct="1">
         <a:lnSpc>
           <a:spcPct val="90000"/>
         </a:lnSpc>
         <a:spcBef>
-          <a:spcPts val="1000"/>
+          <a:spcPts val="750"/>
         </a:spcBef>
         <a:buFont typeface="Arial" panose="020B0604020202020204" pitchFamily="34" charset="0"/>
         <a:buChar char="•"/>
-        <a:defRPr sz="2800" kern="1200">
+        <a:defRPr sz="2100" kern="1200">
           <a:solidFill>
             <a:schemeClr val="tx1"/>
           </a:solidFill>
@@ -2725,48 +3082,12 @@
           <a:cs typeface="+mn-cs"/>
         </a:defRPr>
       </a:lvl1pPr>
-      <a:lvl2pPr marL="685800" indent="-228600" algn="l" defTabSz="914400" rtl="0" eaLnBrk="1" latinLnBrk="0" hangingPunct="1">
+      <a:lvl2pPr marL="514350" indent="-171450" algn="l" defTabSz="685800" rtl="0" eaLnBrk="1" latinLnBrk="0" hangingPunct="1">
         <a:lnSpc>
           <a:spcPct val="90000"/>
         </a:lnSpc>
         <a:spcBef>
-          <a:spcPts val="500"/>
-        </a:spcBef>
-        <a:buFont typeface="Arial" panose="020B0604020202020204" pitchFamily="34" charset="0"/>
-        <a:buChar char="•"/>
-        <a:defRPr sz="2400" kern="1200">
-          <a:solidFill>
-            <a:schemeClr val="tx1"/>
-          </a:solidFill>
-          <a:latin typeface="+mn-lt"/>
-          <a:ea typeface="+mn-ea"/>
-          <a:cs typeface="+mn-cs"/>
-        </a:defRPr>
-      </a:lvl2pPr>
-      <a:lvl3pPr marL="1143000" indent="-228600" algn="l" defTabSz="914400" rtl="0" eaLnBrk="1" latinLnBrk="0" hangingPunct="1">
-        <a:lnSpc>
-          <a:spcPct val="90000"/>
-        </a:lnSpc>
-        <a:spcBef>
-          <a:spcPts val="500"/>
-        </a:spcBef>
-        <a:buFont typeface="Arial" panose="020B0604020202020204" pitchFamily="34" charset="0"/>
-        <a:buChar char="•"/>
-        <a:defRPr sz="2000" kern="1200">
-          <a:solidFill>
-            <a:schemeClr val="tx1"/>
-          </a:solidFill>
-          <a:latin typeface="+mn-lt"/>
-          <a:ea typeface="+mn-ea"/>
-          <a:cs typeface="+mn-cs"/>
-        </a:defRPr>
-      </a:lvl3pPr>
-      <a:lvl4pPr marL="1600200" indent="-228600" algn="l" defTabSz="914400" rtl="0" eaLnBrk="1" latinLnBrk="0" hangingPunct="1">
-        <a:lnSpc>
-          <a:spcPct val="90000"/>
-        </a:lnSpc>
-        <a:spcBef>
-          <a:spcPts val="500"/>
+          <a:spcPts val="375"/>
         </a:spcBef>
         <a:buFont typeface="Arial" panose="020B0604020202020204" pitchFamily="34" charset="0"/>
         <a:buChar char="•"/>
@@ -2778,17 +3099,53 @@
           <a:ea typeface="+mn-ea"/>
           <a:cs typeface="+mn-cs"/>
         </a:defRPr>
-      </a:lvl4pPr>
-      <a:lvl5pPr marL="2057400" indent="-228600" algn="l" defTabSz="914400" rtl="0" eaLnBrk="1" latinLnBrk="0" hangingPunct="1">
+      </a:lvl2pPr>
+      <a:lvl3pPr marL="857250" indent="-171450" algn="l" defTabSz="685800" rtl="0" eaLnBrk="1" latinLnBrk="0" hangingPunct="1">
         <a:lnSpc>
           <a:spcPct val="90000"/>
         </a:lnSpc>
         <a:spcBef>
-          <a:spcPts val="500"/>
+          <a:spcPts val="375"/>
         </a:spcBef>
         <a:buFont typeface="Arial" panose="020B0604020202020204" pitchFamily="34" charset="0"/>
         <a:buChar char="•"/>
-        <a:defRPr sz="1800" kern="1200">
+        <a:defRPr sz="1500" kern="1200">
+          <a:solidFill>
+            <a:schemeClr val="tx1"/>
+          </a:solidFill>
+          <a:latin typeface="+mn-lt"/>
+          <a:ea typeface="+mn-ea"/>
+          <a:cs typeface="+mn-cs"/>
+        </a:defRPr>
+      </a:lvl3pPr>
+      <a:lvl4pPr marL="1200150" indent="-171450" algn="l" defTabSz="685800" rtl="0" eaLnBrk="1" latinLnBrk="0" hangingPunct="1">
+        <a:lnSpc>
+          <a:spcPct val="90000"/>
+        </a:lnSpc>
+        <a:spcBef>
+          <a:spcPts val="375"/>
+        </a:spcBef>
+        <a:buFont typeface="Arial" panose="020B0604020202020204" pitchFamily="34" charset="0"/>
+        <a:buChar char="•"/>
+        <a:defRPr sz="1350" kern="1200">
+          <a:solidFill>
+            <a:schemeClr val="tx1"/>
+          </a:solidFill>
+          <a:latin typeface="+mn-lt"/>
+          <a:ea typeface="+mn-ea"/>
+          <a:cs typeface="+mn-cs"/>
+        </a:defRPr>
+      </a:lvl4pPr>
+      <a:lvl5pPr marL="1543050" indent="-171450" algn="l" defTabSz="685800" rtl="0" eaLnBrk="1" latinLnBrk="0" hangingPunct="1">
+        <a:lnSpc>
+          <a:spcPct val="90000"/>
+        </a:lnSpc>
+        <a:spcBef>
+          <a:spcPts val="375"/>
+        </a:spcBef>
+        <a:buFont typeface="Arial" panose="020B0604020202020204" pitchFamily="34" charset="0"/>
+        <a:buChar char="•"/>
+        <a:defRPr sz="1350" kern="1200">
           <a:solidFill>
             <a:schemeClr val="tx1"/>
           </a:solidFill>
@@ -2797,16 +3154,16 @@
           <a:cs typeface="+mn-cs"/>
         </a:defRPr>
       </a:lvl5pPr>
-      <a:lvl6pPr marL="2514600" indent="-228600" algn="l" defTabSz="914400" rtl="0" eaLnBrk="1" latinLnBrk="0" hangingPunct="1">
+      <a:lvl6pPr marL="1885950" indent="-171450" algn="l" defTabSz="685800" rtl="0" eaLnBrk="1" latinLnBrk="0" hangingPunct="1">
         <a:lnSpc>
           <a:spcPct val="90000"/>
         </a:lnSpc>
         <a:spcBef>
-          <a:spcPts val="500"/>
+          <a:spcPts val="375"/>
         </a:spcBef>
         <a:buFont typeface="Arial" panose="020B0604020202020204" pitchFamily="34" charset="0"/>
         <a:buChar char="•"/>
-        <a:defRPr sz="1800" kern="1200">
+        <a:defRPr sz="1350" kern="1200">
           <a:solidFill>
             <a:schemeClr val="tx1"/>
           </a:solidFill>
@@ -2815,16 +3172,16 @@
           <a:cs typeface="+mn-cs"/>
         </a:defRPr>
       </a:lvl6pPr>
-      <a:lvl7pPr marL="2971800" indent="-228600" algn="l" defTabSz="914400" rtl="0" eaLnBrk="1" latinLnBrk="0" hangingPunct="1">
+      <a:lvl7pPr marL="2228850" indent="-171450" algn="l" defTabSz="685800" rtl="0" eaLnBrk="1" latinLnBrk="0" hangingPunct="1">
         <a:lnSpc>
           <a:spcPct val="90000"/>
         </a:lnSpc>
         <a:spcBef>
-          <a:spcPts val="500"/>
+          <a:spcPts val="375"/>
         </a:spcBef>
         <a:buFont typeface="Arial" panose="020B0604020202020204" pitchFamily="34" charset="0"/>
         <a:buChar char="•"/>
-        <a:defRPr sz="1800" kern="1200">
+        <a:defRPr sz="1350" kern="1200">
           <a:solidFill>
             <a:schemeClr val="tx1"/>
           </a:solidFill>
@@ -2833,16 +3190,16 @@
           <a:cs typeface="+mn-cs"/>
         </a:defRPr>
       </a:lvl7pPr>
-      <a:lvl8pPr marL="3429000" indent="-228600" algn="l" defTabSz="914400" rtl="0" eaLnBrk="1" latinLnBrk="0" hangingPunct="1">
+      <a:lvl8pPr marL="2571750" indent="-171450" algn="l" defTabSz="685800" rtl="0" eaLnBrk="1" latinLnBrk="0" hangingPunct="1">
         <a:lnSpc>
           <a:spcPct val="90000"/>
         </a:lnSpc>
         <a:spcBef>
-          <a:spcPts val="500"/>
+          <a:spcPts val="375"/>
         </a:spcBef>
         <a:buFont typeface="Arial" panose="020B0604020202020204" pitchFamily="34" charset="0"/>
         <a:buChar char="•"/>
-        <a:defRPr sz="1800" kern="1200">
+        <a:defRPr sz="1350" kern="1200">
           <a:solidFill>
             <a:schemeClr val="tx1"/>
           </a:solidFill>
@@ -2851,16 +3208,16 @@
           <a:cs typeface="+mn-cs"/>
         </a:defRPr>
       </a:lvl8pPr>
-      <a:lvl9pPr marL="3886200" indent="-228600" algn="l" defTabSz="914400" rtl="0" eaLnBrk="1" latinLnBrk="0" hangingPunct="1">
+      <a:lvl9pPr marL="2914650" indent="-171450" algn="l" defTabSz="685800" rtl="0" eaLnBrk="1" latinLnBrk="0" hangingPunct="1">
         <a:lnSpc>
           <a:spcPct val="90000"/>
         </a:lnSpc>
         <a:spcBef>
-          <a:spcPts val="500"/>
+          <a:spcPts val="375"/>
         </a:spcBef>
         <a:buFont typeface="Arial" panose="020B0604020202020204" pitchFamily="34" charset="0"/>
         <a:buChar char="•"/>
-        <a:defRPr sz="1800" kern="1200">
+        <a:defRPr sz="1350" kern="1200">
           <a:solidFill>
             <a:schemeClr val="tx1"/>
           </a:solidFill>
@@ -2872,10 +3229,10 @@
     </p:bodyStyle>
     <p:otherStyle>
       <a:defPPr>
-        <a:defRPr lang="en-US"/>
+        <a:defRPr lang="en-NO"/>
       </a:defPPr>
-      <a:lvl1pPr marL="0" algn="l" defTabSz="914400" rtl="0" eaLnBrk="1" latinLnBrk="0" hangingPunct="1">
-        <a:defRPr sz="1800" kern="1200">
+      <a:lvl1pPr marL="0" algn="l" defTabSz="685800" rtl="0" eaLnBrk="1" latinLnBrk="0" hangingPunct="1">
+        <a:defRPr sz="1350" kern="1200">
           <a:solidFill>
             <a:schemeClr val="tx1"/>
           </a:solidFill>
@@ -2884,8 +3241,8 @@
           <a:cs typeface="+mn-cs"/>
         </a:defRPr>
       </a:lvl1pPr>
-      <a:lvl2pPr marL="457200" algn="l" defTabSz="914400" rtl="0" eaLnBrk="1" latinLnBrk="0" hangingPunct="1">
-        <a:defRPr sz="1800" kern="1200">
+      <a:lvl2pPr marL="342900" algn="l" defTabSz="685800" rtl="0" eaLnBrk="1" latinLnBrk="0" hangingPunct="1">
+        <a:defRPr sz="1350" kern="1200">
           <a:solidFill>
             <a:schemeClr val="tx1"/>
           </a:solidFill>
@@ -2894,8 +3251,8 @@
           <a:cs typeface="+mn-cs"/>
         </a:defRPr>
       </a:lvl2pPr>
-      <a:lvl3pPr marL="914400" algn="l" defTabSz="914400" rtl="0" eaLnBrk="1" latinLnBrk="0" hangingPunct="1">
-        <a:defRPr sz="1800" kern="1200">
+      <a:lvl3pPr marL="685800" algn="l" defTabSz="685800" rtl="0" eaLnBrk="1" latinLnBrk="0" hangingPunct="1">
+        <a:defRPr sz="1350" kern="1200">
           <a:solidFill>
             <a:schemeClr val="tx1"/>
           </a:solidFill>
@@ -2904,8 +3261,8 @@
           <a:cs typeface="+mn-cs"/>
         </a:defRPr>
       </a:lvl3pPr>
-      <a:lvl4pPr marL="1371600" algn="l" defTabSz="914400" rtl="0" eaLnBrk="1" latinLnBrk="0" hangingPunct="1">
-        <a:defRPr sz="1800" kern="1200">
+      <a:lvl4pPr marL="1028700" algn="l" defTabSz="685800" rtl="0" eaLnBrk="1" latinLnBrk="0" hangingPunct="1">
+        <a:defRPr sz="1350" kern="1200">
           <a:solidFill>
             <a:schemeClr val="tx1"/>
           </a:solidFill>
@@ -2914,8 +3271,8 @@
           <a:cs typeface="+mn-cs"/>
         </a:defRPr>
       </a:lvl4pPr>
-      <a:lvl5pPr marL="1828800" algn="l" defTabSz="914400" rtl="0" eaLnBrk="1" latinLnBrk="0" hangingPunct="1">
-        <a:defRPr sz="1800" kern="1200">
+      <a:lvl5pPr marL="1371600" algn="l" defTabSz="685800" rtl="0" eaLnBrk="1" latinLnBrk="0" hangingPunct="1">
+        <a:defRPr sz="1350" kern="1200">
           <a:solidFill>
             <a:schemeClr val="tx1"/>
           </a:solidFill>
@@ -2924,8 +3281,8 @@
           <a:cs typeface="+mn-cs"/>
         </a:defRPr>
       </a:lvl5pPr>
-      <a:lvl6pPr marL="2286000" algn="l" defTabSz="914400" rtl="0" eaLnBrk="1" latinLnBrk="0" hangingPunct="1">
-        <a:defRPr sz="1800" kern="1200">
+      <a:lvl6pPr marL="1714500" algn="l" defTabSz="685800" rtl="0" eaLnBrk="1" latinLnBrk="0" hangingPunct="1">
+        <a:defRPr sz="1350" kern="1200">
           <a:solidFill>
             <a:schemeClr val="tx1"/>
           </a:solidFill>
@@ -2934,8 +3291,8 @@
           <a:cs typeface="+mn-cs"/>
         </a:defRPr>
       </a:lvl6pPr>
-      <a:lvl7pPr marL="2743200" algn="l" defTabSz="914400" rtl="0" eaLnBrk="1" latinLnBrk="0" hangingPunct="1">
-        <a:defRPr sz="1800" kern="1200">
+      <a:lvl7pPr marL="2057400" algn="l" defTabSz="685800" rtl="0" eaLnBrk="1" latinLnBrk="0" hangingPunct="1">
+        <a:defRPr sz="1350" kern="1200">
           <a:solidFill>
             <a:schemeClr val="tx1"/>
           </a:solidFill>
@@ -2944,8 +3301,8 @@
           <a:cs typeface="+mn-cs"/>
         </a:defRPr>
       </a:lvl7pPr>
-      <a:lvl8pPr marL="3200400" algn="l" defTabSz="914400" rtl="0" eaLnBrk="1" latinLnBrk="0" hangingPunct="1">
-        <a:defRPr sz="1800" kern="1200">
+      <a:lvl8pPr marL="2400300" algn="l" defTabSz="685800" rtl="0" eaLnBrk="1" latinLnBrk="0" hangingPunct="1">
+        <a:defRPr sz="1350" kern="1200">
           <a:solidFill>
             <a:schemeClr val="tx1"/>
           </a:solidFill>
@@ -2954,8 +3311,8 @@
           <a:cs typeface="+mn-cs"/>
         </a:defRPr>
       </a:lvl8pPr>
-      <a:lvl9pPr marL="3657600" algn="l" defTabSz="914400" rtl="0" eaLnBrk="1" latinLnBrk="0" hangingPunct="1">
-        <a:defRPr sz="1800" kern="1200">
+      <a:lvl9pPr marL="2743200" algn="l" defTabSz="685800" rtl="0" eaLnBrk="1" latinLnBrk="0" hangingPunct="1">
+        <a:defRPr sz="1350" kern="1200">
           <a:solidFill>
             <a:schemeClr val="tx1"/>
           </a:solidFill>
@@ -3079,6 +3436,479 @@
       </p:grpSpPr>
       <p:sp>
         <p:nvSpPr>
+          <p:cNvPr id="20" name="Title 1">
+            <a:extLst>
+              <a:ext uri="{FF2B5EF4-FFF2-40B4-BE49-F238E27FC236}">
+                <a16:creationId xmlns:a16="http://schemas.microsoft.com/office/drawing/2014/main" id="{67096DA9-0150-5647-974E-6237783D2619}"/>
+              </a:ext>
+            </a:extLst>
+          </p:cNvPr>
+          <p:cNvSpPr>
+            <a:spLocks noGrp="1"/>
+          </p:cNvSpPr>
+          <p:nvPr>
+            <p:ph type="title"/>
+          </p:nvPr>
+        </p:nvSpPr>
+        <p:spPr/>
+        <p:txBody>
+          <a:bodyPr/>
+          <a:lstStyle/>
+          <a:p>
+            <a:r>
+              <a:rPr lang="en-GB" dirty="0"/>
+              <a:t>Using Scripts</a:t>
+            </a:r>
+          </a:p>
+        </p:txBody>
+      </p:sp>
+      <p:pic>
+        <p:nvPicPr>
+          <p:cNvPr id="17" name="Content Placeholder 16">
+            <a:extLst>
+              <a:ext uri="{FF2B5EF4-FFF2-40B4-BE49-F238E27FC236}">
+                <a16:creationId xmlns:a16="http://schemas.microsoft.com/office/drawing/2014/main" id="{866B17D5-896B-4145-8AA0-9671124F0464}"/>
+              </a:ext>
+            </a:extLst>
+          </p:cNvPr>
+          <p:cNvPicPr>
+            <a:picLocks noGrp="1" noChangeAspect="1"/>
+          </p:cNvPicPr>
+          <p:nvPr>
+            <p:ph idx="1"/>
+          </p:nvPr>
+        </p:nvPicPr>
+        <p:blipFill rotWithShape="1">
+          <a:blip r:embed="rId2"/>
+          <a:srcRect b="59257"/>
+          <a:stretch/>
+        </p:blipFill>
+        <p:spPr>
+          <a:xfrm>
+            <a:off x="709132" y="2141568"/>
+            <a:ext cx="5262824" cy="1448404"/>
+          </a:xfrm>
+        </p:spPr>
+      </p:pic>
+      <p:pic>
+        <p:nvPicPr>
+          <p:cNvPr id="19" name="Picture 18">
+            <a:extLst>
+              <a:ext uri="{FF2B5EF4-FFF2-40B4-BE49-F238E27FC236}">
+                <a16:creationId xmlns:a16="http://schemas.microsoft.com/office/drawing/2014/main" id="{6FD94A04-5AB8-3B4E-AD43-62D3060A0D36}"/>
+              </a:ext>
+            </a:extLst>
+          </p:cNvPr>
+          <p:cNvPicPr>
+            <a:picLocks noChangeAspect="1"/>
+          </p:cNvPicPr>
+          <p:nvPr/>
+        </p:nvPicPr>
+        <p:blipFill rotWithShape="1">
+          <a:blip r:embed="rId3"/>
+          <a:srcRect b="60433"/>
+          <a:stretch/>
+        </p:blipFill>
+        <p:spPr>
+          <a:xfrm>
+            <a:off x="709132" y="4339551"/>
+            <a:ext cx="5026572" cy="1448405"/>
+          </a:xfrm>
+          <a:prstGeom prst="rect">
+            <a:avLst/>
+          </a:prstGeom>
+        </p:spPr>
+      </p:pic>
+      <p:sp>
+        <p:nvSpPr>
+          <p:cNvPr id="21" name="TextBox 20">
+            <a:extLst>
+              <a:ext uri="{FF2B5EF4-FFF2-40B4-BE49-F238E27FC236}">
+                <a16:creationId xmlns:a16="http://schemas.microsoft.com/office/drawing/2014/main" id="{439638B3-6643-AF45-9872-C5678AF5AFFA}"/>
+              </a:ext>
+            </a:extLst>
+          </p:cNvPr>
+          <p:cNvSpPr txBox="1"/>
+          <p:nvPr/>
+        </p:nvSpPr>
+        <p:spPr>
+          <a:xfrm>
+            <a:off x="709132" y="1620057"/>
+            <a:ext cx="6634264" cy="369332"/>
+          </a:xfrm>
+          <a:prstGeom prst="rect">
+            <a:avLst/>
+          </a:prstGeom>
+          <a:noFill/>
+        </p:spPr>
+        <p:txBody>
+          <a:bodyPr wrap="square" rtlCol="0">
+            <a:spAutoFit/>
+          </a:bodyPr>
+          <a:lstStyle/>
+          <a:p>
+            <a:r>
+              <a:rPr lang="en-GB" dirty="0"/>
+              <a:t>Click icon with a document and a + sign</a:t>
+            </a:r>
+          </a:p>
+        </p:txBody>
+      </p:sp>
+      <p:sp>
+        <p:nvSpPr>
+          <p:cNvPr id="22" name="TextBox 21">
+            <a:extLst>
+              <a:ext uri="{FF2B5EF4-FFF2-40B4-BE49-F238E27FC236}">
+                <a16:creationId xmlns:a16="http://schemas.microsoft.com/office/drawing/2014/main" id="{E5ACC6CB-6E78-7D46-BB8C-EA02956C9D90}"/>
+              </a:ext>
+            </a:extLst>
+          </p:cNvPr>
+          <p:cNvSpPr txBox="1"/>
+          <p:nvPr/>
+        </p:nvSpPr>
+        <p:spPr>
+          <a:xfrm>
+            <a:off x="709132" y="3856185"/>
+            <a:ext cx="6634264" cy="369332"/>
+          </a:xfrm>
+          <a:prstGeom prst="rect">
+            <a:avLst/>
+          </a:prstGeom>
+          <a:noFill/>
+        </p:spPr>
+        <p:txBody>
+          <a:bodyPr wrap="square" rtlCol="0">
+            <a:spAutoFit/>
+          </a:bodyPr>
+          <a:lstStyle/>
+          <a:p>
+            <a:r>
+              <a:rPr lang="en-GB" dirty="0"/>
+              <a:t>OR click File -&gt; New File -&gt; R Script</a:t>
+            </a:r>
+          </a:p>
+        </p:txBody>
+      </p:sp>
+    </p:spTree>
+    <p:extLst>
+      <p:ext uri="{BB962C8B-B14F-4D97-AF65-F5344CB8AC3E}">
+        <p14:creationId xmlns:p14="http://schemas.microsoft.com/office/powerpoint/2010/main" val="1955834686"/>
+      </p:ext>
+    </p:extLst>
+  </p:cSld>
+  <p:clrMapOvr>
+    <a:masterClrMapping/>
+  </p:clrMapOvr>
+</p:sld>
+</file>
+
+<file path=ppt/slides/slide11.xml><?xml version="1.0" encoding="utf-8"?>
+<p:sld xmlns:a="http://schemas.openxmlformats.org/drawingml/2006/main" xmlns:r="http://schemas.openxmlformats.org/officeDocument/2006/relationships" xmlns:p="http://schemas.openxmlformats.org/presentationml/2006/main">
+  <p:cSld>
+    <p:spTree>
+      <p:nvGrpSpPr>
+        <p:cNvPr id="1" name=""/>
+        <p:cNvGrpSpPr/>
+        <p:nvPr/>
+      </p:nvGrpSpPr>
+      <p:grpSpPr>
+        <a:xfrm>
+          <a:off x="0" y="0"/>
+          <a:ext cx="0" cy="0"/>
+          <a:chOff x="0" y="0"/>
+          <a:chExt cx="0" cy="0"/>
+        </a:xfrm>
+      </p:grpSpPr>
+      <p:sp>
+        <p:nvSpPr>
+          <p:cNvPr id="2" name="Title 1">
+            <a:extLst>
+              <a:ext uri="{FF2B5EF4-FFF2-40B4-BE49-F238E27FC236}">
+                <a16:creationId xmlns:a16="http://schemas.microsoft.com/office/drawing/2014/main" id="{2C198F58-6319-B047-A3A4-4AD6A70D3B0C}"/>
+              </a:ext>
+            </a:extLst>
+          </p:cNvPr>
+          <p:cNvSpPr>
+            <a:spLocks noGrp="1"/>
+          </p:cNvSpPr>
+          <p:nvPr>
+            <p:ph type="title"/>
+          </p:nvPr>
+        </p:nvSpPr>
+        <p:spPr/>
+        <p:txBody>
+          <a:bodyPr/>
+          <a:lstStyle/>
+          <a:p>
+            <a:r>
+              <a:rPr lang="en-GB" dirty="0"/>
+              <a:t>Using Scripts</a:t>
+            </a:r>
+          </a:p>
+        </p:txBody>
+      </p:sp>
+      <p:sp>
+        <p:nvSpPr>
+          <p:cNvPr id="3" name="Content Placeholder 2">
+            <a:extLst>
+              <a:ext uri="{FF2B5EF4-FFF2-40B4-BE49-F238E27FC236}">
+                <a16:creationId xmlns:a16="http://schemas.microsoft.com/office/drawing/2014/main" id="{06C277D0-9F63-3344-AB84-47CF84FDC8BC}"/>
+              </a:ext>
+            </a:extLst>
+          </p:cNvPr>
+          <p:cNvSpPr>
+            <a:spLocks noGrp="1"/>
+          </p:cNvSpPr>
+          <p:nvPr>
+            <p:ph idx="1"/>
+          </p:nvPr>
+        </p:nvSpPr>
+        <p:spPr/>
+        <p:txBody>
+          <a:bodyPr/>
+          <a:lstStyle/>
+          <a:p>
+            <a:endParaRPr lang="en-GB" dirty="0"/>
+          </a:p>
+        </p:txBody>
+      </p:sp>
+      <p:pic>
+        <p:nvPicPr>
+          <p:cNvPr id="4" name="Content Placeholder 12">
+            <a:extLst>
+              <a:ext uri="{FF2B5EF4-FFF2-40B4-BE49-F238E27FC236}">
+                <a16:creationId xmlns:a16="http://schemas.microsoft.com/office/drawing/2014/main" id="{ACAF278E-BE6B-494C-818D-9905EAA0EB78}"/>
+              </a:ext>
+            </a:extLst>
+          </p:cNvPr>
+          <p:cNvPicPr>
+            <a:picLocks noChangeAspect="1"/>
+          </p:cNvPicPr>
+          <p:nvPr/>
+        </p:nvPicPr>
+        <p:blipFill>
+          <a:blip r:embed="rId2"/>
+          <a:stretch>
+            <a:fillRect/>
+          </a:stretch>
+        </p:blipFill>
+        <p:spPr>
+          <a:xfrm>
+            <a:off x="628650" y="1825625"/>
+            <a:ext cx="7886700" cy="4021036"/>
+          </a:xfrm>
+          <a:prstGeom prst="rect">
+            <a:avLst/>
+          </a:prstGeom>
+        </p:spPr>
+      </p:pic>
+      <p:sp>
+        <p:nvSpPr>
+          <p:cNvPr id="5" name="TextBox 4">
+            <a:extLst>
+              <a:ext uri="{FF2B5EF4-FFF2-40B4-BE49-F238E27FC236}">
+                <a16:creationId xmlns:a16="http://schemas.microsoft.com/office/drawing/2014/main" id="{0F117CA2-B2D5-7B46-BC4D-B9E986DE52F0}"/>
+              </a:ext>
+            </a:extLst>
+          </p:cNvPr>
+          <p:cNvSpPr txBox="1"/>
+          <p:nvPr/>
+        </p:nvSpPr>
+        <p:spPr>
+          <a:xfrm>
+            <a:off x="5447131" y="3887821"/>
+            <a:ext cx="3347455" cy="369332"/>
+          </a:xfrm>
+          <a:prstGeom prst="rect">
+            <a:avLst/>
+          </a:prstGeom>
+          <a:solidFill>
+            <a:schemeClr val="accent1">
+              <a:lumMod val="20000"/>
+              <a:lumOff val="80000"/>
+            </a:schemeClr>
+          </a:solidFill>
+        </p:spPr>
+        <p:txBody>
+          <a:bodyPr wrap="none" rtlCol="0">
+            <a:spAutoFit/>
+          </a:bodyPr>
+          <a:lstStyle/>
+          <a:p>
+            <a:pPr marL="285750" indent="-285750">
+              <a:buFont typeface="Arial" panose="020B0604020202020204" pitchFamily="34" charset="0"/>
+              <a:buChar char="•"/>
+            </a:pPr>
+            <a:r>
+              <a:rPr lang="en-GB" b="1" dirty="0"/>
+              <a:t>Environment </a:t>
+            </a:r>
+            <a:r>
+              <a:rPr lang="en-GB" dirty="0"/>
+              <a:t>shows the object</a:t>
+            </a:r>
+            <a:endParaRPr lang="en-GB" b="1" dirty="0"/>
+          </a:p>
+        </p:txBody>
+      </p:sp>
+      <p:sp>
+        <p:nvSpPr>
+          <p:cNvPr id="6" name="TextBox 5">
+            <a:extLst>
+              <a:ext uri="{FF2B5EF4-FFF2-40B4-BE49-F238E27FC236}">
+                <a16:creationId xmlns:a16="http://schemas.microsoft.com/office/drawing/2014/main" id="{78A01FC2-AB5D-6845-BF80-8D8872379361}"/>
+              </a:ext>
+            </a:extLst>
+          </p:cNvPr>
+          <p:cNvSpPr txBox="1"/>
+          <p:nvPr/>
+        </p:nvSpPr>
+        <p:spPr>
+          <a:xfrm>
+            <a:off x="1099251" y="3333823"/>
+            <a:ext cx="3817648" cy="1200329"/>
+          </a:xfrm>
+          <a:prstGeom prst="rect">
+            <a:avLst/>
+          </a:prstGeom>
+          <a:solidFill>
+            <a:schemeClr val="accent1">
+              <a:lumMod val="20000"/>
+              <a:lumOff val="80000"/>
+            </a:schemeClr>
+          </a:solidFill>
+        </p:spPr>
+        <p:txBody>
+          <a:bodyPr wrap="none" rtlCol="0">
+            <a:spAutoFit/>
+          </a:bodyPr>
+          <a:lstStyle/>
+          <a:p>
+            <a:pPr marL="285750" indent="-285750">
+              <a:buFont typeface="Arial" panose="020B0604020202020204" pitchFamily="34" charset="0"/>
+              <a:buChar char="•"/>
+            </a:pPr>
+            <a:r>
+              <a:rPr lang="en-GB" dirty="0"/>
+              <a:t>Write in the script, execute lines by </a:t>
+            </a:r>
+          </a:p>
+          <a:p>
+            <a:pPr marL="285750" indent="-285750">
+              <a:buFont typeface="Arial" panose="020B0604020202020204" pitchFamily="34" charset="0"/>
+              <a:buChar char="•"/>
+            </a:pPr>
+            <a:r>
+              <a:rPr lang="en-GB" dirty="0" err="1"/>
+              <a:t>cmd+R</a:t>
+            </a:r>
+            <a:r>
+              <a:rPr lang="en-GB" dirty="0"/>
+              <a:t> (mac)</a:t>
+            </a:r>
+          </a:p>
+          <a:p>
+            <a:pPr marL="285750" indent="-285750">
+              <a:buFont typeface="Arial" panose="020B0604020202020204" pitchFamily="34" charset="0"/>
+              <a:buChar char="•"/>
+            </a:pPr>
+            <a:r>
+              <a:rPr lang="en-GB" dirty="0" err="1"/>
+              <a:t>Ctrl+R</a:t>
+            </a:r>
+            <a:r>
+              <a:rPr lang="en-GB" dirty="0"/>
+              <a:t> (win)</a:t>
+            </a:r>
+          </a:p>
+          <a:p>
+            <a:pPr marL="285750" indent="-285750">
+              <a:buFont typeface="Arial" panose="020B0604020202020204" pitchFamily="34" charset="0"/>
+              <a:buChar char="•"/>
+            </a:pPr>
+            <a:r>
+              <a:rPr lang="en-GB" dirty="0"/>
+              <a:t>Remember to annotate!!!</a:t>
+            </a:r>
+          </a:p>
+        </p:txBody>
+      </p:sp>
+      <p:sp>
+        <p:nvSpPr>
+          <p:cNvPr id="7" name="TextBox 6">
+            <a:extLst>
+              <a:ext uri="{FF2B5EF4-FFF2-40B4-BE49-F238E27FC236}">
+                <a16:creationId xmlns:a16="http://schemas.microsoft.com/office/drawing/2014/main" id="{60E1B96B-D73C-3A45-B7B7-D2EA856A9F72}"/>
+              </a:ext>
+            </a:extLst>
+          </p:cNvPr>
+          <p:cNvSpPr txBox="1"/>
+          <p:nvPr/>
+        </p:nvSpPr>
+        <p:spPr>
+          <a:xfrm>
+            <a:off x="1251651" y="5715298"/>
+            <a:ext cx="2511906" cy="369332"/>
+          </a:xfrm>
+          <a:prstGeom prst="rect">
+            <a:avLst/>
+          </a:prstGeom>
+          <a:solidFill>
+            <a:schemeClr val="accent1">
+              <a:lumMod val="20000"/>
+              <a:lumOff val="80000"/>
+            </a:schemeClr>
+          </a:solidFill>
+        </p:spPr>
+        <p:txBody>
+          <a:bodyPr wrap="none" rtlCol="0">
+            <a:spAutoFit/>
+          </a:bodyPr>
+          <a:lstStyle/>
+          <a:p>
+            <a:pPr marL="285750" indent="-285750">
+              <a:buFont typeface="Arial" panose="020B0604020202020204" pitchFamily="34" charset="0"/>
+              <a:buChar char="•"/>
+            </a:pPr>
+            <a:r>
+              <a:rPr lang="en-GB" dirty="0"/>
+              <a:t>Output in the console</a:t>
+            </a:r>
+          </a:p>
+        </p:txBody>
+      </p:sp>
+    </p:spTree>
+    <p:extLst>
+      <p:ext uri="{BB962C8B-B14F-4D97-AF65-F5344CB8AC3E}">
+        <p14:creationId xmlns:p14="http://schemas.microsoft.com/office/powerpoint/2010/main" val="143904933"/>
+      </p:ext>
+    </p:extLst>
+  </p:cSld>
+  <p:clrMapOvr>
+    <a:masterClrMapping/>
+  </p:clrMapOvr>
+</p:sld>
+</file>
+
+<file path=ppt/slides/slide12.xml><?xml version="1.0" encoding="utf-8"?>
+<p:sld xmlns:a="http://schemas.openxmlformats.org/drawingml/2006/main" xmlns:r="http://schemas.openxmlformats.org/officeDocument/2006/relationships" xmlns:p="http://schemas.openxmlformats.org/presentationml/2006/main">
+  <p:cSld>
+    <p:spTree>
+      <p:nvGrpSpPr>
+        <p:cNvPr id="1" name=""/>
+        <p:cNvGrpSpPr/>
+        <p:nvPr/>
+      </p:nvGrpSpPr>
+      <p:grpSpPr>
+        <a:xfrm>
+          <a:off x="0" y="0"/>
+          <a:ext cx="0" cy="0"/>
+          <a:chOff x="0" y="0"/>
+          <a:chExt cx="0" cy="0"/>
+        </a:xfrm>
+      </p:grpSpPr>
+      <p:sp>
+        <p:nvSpPr>
           <p:cNvPr id="2" name="Title 1">
             <a:extLst>
               <a:ext uri="{FF2B5EF4-FFF2-40B4-BE49-F238E27FC236}">
@@ -3213,7 +4043,7 @@
 </p:sld>
 </file>
 
-<file path=ppt/slides/slide11.xml><?xml version="1.0" encoding="utf-8"?>
+<file path=ppt/slides/slide13.xml><?xml version="1.0" encoding="utf-8"?>
 <p:sld xmlns:a="http://schemas.openxmlformats.org/drawingml/2006/main" xmlns:r="http://schemas.openxmlformats.org/officeDocument/2006/relationships" xmlns:p="http://schemas.openxmlformats.org/presentationml/2006/main">
   <p:cSld>
     <p:spTree>
@@ -3338,7 +4168,7 @@
 </p:sld>
 </file>
 
-<file path=ppt/slides/slide12.xml><?xml version="1.0" encoding="utf-8"?>
+<file path=ppt/slides/slide14.xml><?xml version="1.0" encoding="utf-8"?>
 <p:sld xmlns:a="http://schemas.openxmlformats.org/drawingml/2006/main" xmlns:r="http://schemas.openxmlformats.org/officeDocument/2006/relationships" xmlns:p="http://schemas.openxmlformats.org/presentationml/2006/main">
   <p:cSld>
     <p:spTree>
@@ -3455,7 +4285,7 @@
 </p:sld>
 </file>
 
-<file path=ppt/slides/slide13.xml><?xml version="1.0" encoding="utf-8"?>
+<file path=ppt/slides/slide15.xml><?xml version="1.0" encoding="utf-8"?>
 <p:sld xmlns:a="http://schemas.openxmlformats.org/drawingml/2006/main" xmlns:r="http://schemas.openxmlformats.org/officeDocument/2006/relationships" xmlns:p="http://schemas.openxmlformats.org/presentationml/2006/main">
   <p:cSld>
     <p:spTree>
@@ -3572,7 +4402,7 @@
 </p:sld>
 </file>
 
-<file path=ppt/slides/slide14.xml><?xml version="1.0" encoding="utf-8"?>
+<file path=ppt/slides/slide16.xml><?xml version="1.0" encoding="utf-8"?>
 <p:sld xmlns:a="http://schemas.openxmlformats.org/drawingml/2006/main" xmlns:r="http://schemas.openxmlformats.org/officeDocument/2006/relationships" xmlns:p="http://schemas.openxmlformats.org/presentationml/2006/main">
   <p:cSld>
     <p:spTree>
@@ -3685,7 +4515,7 @@
 </p:sld>
 </file>
 
-<file path=ppt/slides/slide15.xml><?xml version="1.0" encoding="utf-8"?>
+<file path=ppt/slides/slide17.xml><?xml version="1.0" encoding="utf-8"?>
 <p:sld xmlns:a="http://schemas.openxmlformats.org/drawingml/2006/main" xmlns:r="http://schemas.openxmlformats.org/officeDocument/2006/relationships" xmlns:p="http://schemas.openxmlformats.org/presentationml/2006/main">
   <p:cSld>
     <p:spTree>
@@ -3749,7 +4579,7 @@
         <p:spPr/>
         <p:txBody>
           <a:bodyPr>
-            <a:normAutofit fontScale="92500" lnSpcReduction="10000"/>
+            <a:normAutofit/>
           </a:bodyPr>
           <a:lstStyle/>
           <a:p>
@@ -3828,7 +4658,7 @@
 </p:sld>
 </file>
 
-<file path=ppt/slides/slide16.xml><?xml version="1.0" encoding="utf-8"?>
+<file path=ppt/slides/slide18.xml><?xml version="1.0" encoding="utf-8"?>
 <p:sld xmlns:a="http://schemas.openxmlformats.org/drawingml/2006/main" xmlns:r="http://schemas.openxmlformats.org/officeDocument/2006/relationships" xmlns:p="http://schemas.openxmlformats.org/presentationml/2006/main">
   <p:cSld>
     <p:spTree>
@@ -3963,7 +4793,7 @@
           <p:cNvPr id="2" name="Title 1">
             <a:extLst>
               <a:ext uri="{FF2B5EF4-FFF2-40B4-BE49-F238E27FC236}">
-                <a16:creationId xmlns:a16="http://schemas.microsoft.com/office/drawing/2014/main" id="{04FBC9B3-770E-C740-BB8B-F9EFA5DE2BCC}"/>
+                <a16:creationId xmlns:a16="http://schemas.microsoft.com/office/drawing/2014/main" id="{B4A91E93-5F1E-5E49-8C4F-7194FEB84154}"/>
               </a:ext>
             </a:extLst>
           </p:cNvPr>
@@ -3979,255 +4809,63 @@
           <a:bodyPr/>
           <a:lstStyle/>
           <a:p>
+            <a:endParaRPr lang="en-GB" dirty="0"/>
+          </a:p>
+        </p:txBody>
+      </p:sp>
+      <p:sp>
+        <p:nvSpPr>
+          <p:cNvPr id="3" name="Content Placeholder 2">
+            <a:extLst>
+              <a:ext uri="{FF2B5EF4-FFF2-40B4-BE49-F238E27FC236}">
+                <a16:creationId xmlns:a16="http://schemas.microsoft.com/office/drawing/2014/main" id="{46A114B2-4A1E-CD4C-87C6-F4C333CD4DBA}"/>
+              </a:ext>
+            </a:extLst>
+          </p:cNvPr>
+          <p:cNvSpPr>
+            <a:spLocks noGrp="1"/>
+          </p:cNvSpPr>
+          <p:nvPr>
+            <p:ph idx="1"/>
+          </p:nvPr>
+        </p:nvSpPr>
+        <p:spPr/>
+        <p:txBody>
+          <a:bodyPr/>
+          <a:lstStyle/>
+          <a:p>
             <a:r>
               <a:rPr lang="en-GB" dirty="0" err="1"/>
-              <a:t>Rstudio</a:t>
+              <a:t>Github</a:t>
             </a:r>
             <a:r>
               <a:rPr lang="en-GB" dirty="0"/>
-              <a:t> screen</a:t>
-            </a:r>
-          </a:p>
-        </p:txBody>
-      </p:sp>
-      <p:pic>
-        <p:nvPicPr>
-          <p:cNvPr id="5" name="Content Placeholder 4">
-            <a:extLst>
-              <a:ext uri="{FF2B5EF4-FFF2-40B4-BE49-F238E27FC236}">
-                <a16:creationId xmlns:a16="http://schemas.microsoft.com/office/drawing/2014/main" id="{951E7F93-FD32-4746-9433-DFA50CECEC44}"/>
-              </a:ext>
-            </a:extLst>
-          </p:cNvPr>
-          <p:cNvPicPr>
-            <a:picLocks noGrp="1" noChangeAspect="1"/>
-          </p:cNvPicPr>
-          <p:nvPr>
-            <p:ph idx="1"/>
-          </p:nvPr>
-        </p:nvPicPr>
-        <p:blipFill>
-          <a:blip r:embed="rId2"/>
-          <a:stretch>
-            <a:fillRect/>
-          </a:stretch>
-        </p:blipFill>
-        <p:spPr>
-          <a:xfrm>
-            <a:off x="552745" y="1390135"/>
-            <a:ext cx="8037793" cy="5248654"/>
-          </a:xfrm>
-        </p:spPr>
-      </p:pic>
-      <p:sp>
-        <p:nvSpPr>
-          <p:cNvPr id="6" name="TextBox 5">
-            <a:extLst>
-              <a:ext uri="{FF2B5EF4-FFF2-40B4-BE49-F238E27FC236}">
-                <a16:creationId xmlns:a16="http://schemas.microsoft.com/office/drawing/2014/main" id="{27BE171E-C03E-6443-AF5A-E1D67AE3A397}"/>
-              </a:ext>
-            </a:extLst>
-          </p:cNvPr>
-          <p:cNvSpPr txBox="1"/>
-          <p:nvPr/>
-        </p:nvSpPr>
-        <p:spPr>
-          <a:xfrm>
-            <a:off x="953311" y="5048655"/>
-            <a:ext cx="3216009" cy="646331"/>
-          </a:xfrm>
-          <a:prstGeom prst="rect">
-            <a:avLst/>
-          </a:prstGeom>
-          <a:solidFill>
-            <a:schemeClr val="accent1">
-              <a:lumMod val="20000"/>
-              <a:lumOff val="80000"/>
-            </a:schemeClr>
-          </a:solidFill>
-        </p:spPr>
-        <p:txBody>
-          <a:bodyPr wrap="none" rtlCol="0">
-            <a:spAutoFit/>
-          </a:bodyPr>
-          <a:lstStyle/>
-          <a:p>
-            <a:r>
-              <a:rPr lang="en-GB" dirty="0"/>
-              <a:t>The </a:t>
-            </a:r>
-            <a:r>
-              <a:rPr lang="en-GB" b="1" dirty="0"/>
-              <a:t>console</a:t>
-            </a:r>
-            <a:r>
-              <a:rPr lang="en-GB" dirty="0"/>
-              <a:t> - here you can type </a:t>
-            </a:r>
-          </a:p>
-          <a:p>
-            <a:r>
-              <a:rPr lang="en-GB" dirty="0"/>
-              <a:t>commands and see output</a:t>
-            </a:r>
-          </a:p>
-        </p:txBody>
-      </p:sp>
-      <p:sp>
-        <p:nvSpPr>
-          <p:cNvPr id="7" name="TextBox 6">
-            <a:extLst>
-              <a:ext uri="{FF2B5EF4-FFF2-40B4-BE49-F238E27FC236}">
-                <a16:creationId xmlns:a16="http://schemas.microsoft.com/office/drawing/2014/main" id="{38464A6D-D2CE-8642-BF6E-F3283A1DD410}"/>
-              </a:ext>
-            </a:extLst>
-          </p:cNvPr>
-          <p:cNvSpPr txBox="1"/>
-          <p:nvPr/>
-        </p:nvSpPr>
-        <p:spPr>
-          <a:xfrm>
-            <a:off x="4571642" y="2603770"/>
-            <a:ext cx="3943708" cy="646331"/>
-          </a:xfrm>
-          <a:prstGeom prst="rect">
-            <a:avLst/>
-          </a:prstGeom>
-          <a:solidFill>
-            <a:schemeClr val="accent1">
-              <a:lumMod val="20000"/>
-              <a:lumOff val="80000"/>
-            </a:schemeClr>
-          </a:solidFill>
-        </p:spPr>
-        <p:txBody>
-          <a:bodyPr wrap="none" rtlCol="0">
-            <a:spAutoFit/>
-          </a:bodyPr>
-          <a:lstStyle/>
-          <a:p>
-            <a:pPr marL="285750" indent="-285750">
-              <a:buFont typeface="Arial" panose="020B0604020202020204" pitchFamily="34" charset="0"/>
-              <a:buChar char="•"/>
-            </a:pPr>
-            <a:r>
-              <a:rPr lang="en-GB" b="1" dirty="0"/>
-              <a:t>Environment</a:t>
-            </a:r>
-            <a:r>
-              <a:rPr lang="en-GB" dirty="0"/>
-              <a:t> will show active objects</a:t>
-            </a:r>
-          </a:p>
-          <a:p>
-            <a:pPr marL="285750" indent="-285750">
-              <a:buFont typeface="Arial" panose="020B0604020202020204" pitchFamily="34" charset="0"/>
-              <a:buChar char="•"/>
-            </a:pPr>
-            <a:r>
-              <a:rPr lang="en-GB" b="1" dirty="0"/>
-              <a:t>History </a:t>
-            </a:r>
-            <a:r>
-              <a:rPr lang="en-GB" dirty="0"/>
-              <a:t>commands used so far</a:t>
-            </a:r>
-            <a:endParaRPr lang="en-GB" b="1" dirty="0"/>
-          </a:p>
-        </p:txBody>
-      </p:sp>
-      <p:sp>
-        <p:nvSpPr>
-          <p:cNvPr id="8" name="TextBox 7">
-            <a:extLst>
-              <a:ext uri="{FF2B5EF4-FFF2-40B4-BE49-F238E27FC236}">
-                <a16:creationId xmlns:a16="http://schemas.microsoft.com/office/drawing/2014/main" id="{1A4B9B0B-7011-304E-9441-3188CD26EAC4}"/>
-              </a:ext>
-            </a:extLst>
-          </p:cNvPr>
-          <p:cNvSpPr txBox="1"/>
-          <p:nvPr/>
-        </p:nvSpPr>
-        <p:spPr>
-          <a:xfrm>
-            <a:off x="5200293" y="5048654"/>
-            <a:ext cx="3216009" cy="1200329"/>
-          </a:xfrm>
-          <a:prstGeom prst="rect">
-            <a:avLst/>
-          </a:prstGeom>
-          <a:solidFill>
-            <a:schemeClr val="accent1">
-              <a:lumMod val="20000"/>
-              <a:lumOff val="80000"/>
-            </a:schemeClr>
-          </a:solidFill>
-        </p:spPr>
-        <p:txBody>
-          <a:bodyPr wrap="square" rtlCol="0">
-            <a:spAutoFit/>
-          </a:bodyPr>
-          <a:lstStyle/>
-          <a:p>
-            <a:pPr marL="285750" indent="-285750">
-              <a:buFont typeface="Arial" panose="020B0604020202020204" pitchFamily="34" charset="0"/>
-              <a:buChar char="•"/>
-            </a:pPr>
-            <a:r>
-              <a:rPr lang="en-GB" dirty="0"/>
-              <a:t>In this panel you can find </a:t>
-            </a:r>
-            <a:r>
-              <a:rPr lang="en-GB" b="1" dirty="0"/>
-              <a:t>files</a:t>
-            </a:r>
-            <a:r>
-              <a:rPr lang="en-GB" dirty="0"/>
-              <a:t> and </a:t>
-            </a:r>
-            <a:r>
-              <a:rPr lang="en-GB" b="1" dirty="0"/>
-              <a:t>folders</a:t>
-            </a:r>
-            <a:r>
-              <a:rPr lang="en-GB" dirty="0"/>
-              <a:t>, </a:t>
-            </a:r>
-            <a:r>
-              <a:rPr lang="en-GB" b="1" dirty="0"/>
-              <a:t>plots</a:t>
-            </a:r>
-            <a:r>
-              <a:rPr lang="en-GB" dirty="0"/>
-              <a:t>, available </a:t>
-            </a:r>
-            <a:r>
-              <a:rPr lang="en-GB" b="1" dirty="0"/>
-              <a:t>packages </a:t>
-            </a:r>
-            <a:r>
-              <a:rPr lang="en-GB" dirty="0"/>
-              <a:t>and the</a:t>
-            </a:r>
-            <a:r>
-              <a:rPr lang="en-GB" b="1" dirty="0"/>
-              <a:t> </a:t>
-            </a:r>
-            <a:r>
-              <a:rPr lang="en-GB" dirty="0"/>
-              <a:t>help</a:t>
-            </a:r>
-            <a:r>
-              <a:rPr lang="en-GB" b="1" dirty="0"/>
-              <a:t> screen</a:t>
-            </a:r>
+              <a:t> for the workshop with all lectures</a:t>
+            </a:r>
+            <a:r>
+              <a:rPr lang="en-GB"/>
+              <a:t>, script and data.</a:t>
+            </a:r>
+            <a:endParaRPr lang="en-GB" dirty="0"/>
+          </a:p>
+          <a:p>
+            <a:r>
+              <a:rPr lang="en-GB" sz="2400" dirty="0">
+                <a:hlinkClick r:id="rId2"/>
+              </a:rPr>
+              <a:t>https://github.com/krabberod/AeN-workshop-2020</a:t>
+            </a:r>
+            <a:endParaRPr lang="en-GB" sz="2400" dirty="0"/>
+          </a:p>
+          <a:p>
+            <a:endParaRPr lang="en-GB" dirty="0"/>
           </a:p>
         </p:txBody>
       </p:sp>
     </p:spTree>
     <p:extLst>
       <p:ext uri="{BB962C8B-B14F-4D97-AF65-F5344CB8AC3E}">
-        <p14:creationId xmlns:p14="http://schemas.microsoft.com/office/powerpoint/2010/main" val="4092567659"/>
+        <p14:creationId xmlns:p14="http://schemas.microsoft.com/office/powerpoint/2010/main" val="4291994497"/>
       </p:ext>
     </p:extLst>
   </p:cSld>
@@ -4259,7 +4897,7 @@
           <p:cNvPr id="2" name="Title 1">
             <a:extLst>
               <a:ext uri="{FF2B5EF4-FFF2-40B4-BE49-F238E27FC236}">
-                <a16:creationId xmlns:a16="http://schemas.microsoft.com/office/drawing/2014/main" id="{108163EB-376C-7942-9128-BCB3E9B8F272}"/>
+                <a16:creationId xmlns:a16="http://schemas.microsoft.com/office/drawing/2014/main" id="{04FBC9B3-770E-C740-BB8B-F9EFA5DE2BCC}"/>
               </a:ext>
             </a:extLst>
           </p:cNvPr>
@@ -4275,7 +4913,11 @@
           <a:bodyPr/>
           <a:lstStyle/>
           <a:p>
-            <a:endParaRPr lang="en-GB"/>
+            <a:r>
+              <a:rPr lang="en-GB" dirty="0" err="1"/>
+              <a:t>Rstudio</a:t>
+            </a:r>
+            <a:endParaRPr lang="en-GB" dirty="0"/>
           </a:p>
         </p:txBody>
       </p:sp>
@@ -4284,7 +4926,7 @@
           <p:cNvPr id="5" name="Content Placeholder 4">
             <a:extLst>
               <a:ext uri="{FF2B5EF4-FFF2-40B4-BE49-F238E27FC236}">
-                <a16:creationId xmlns:a16="http://schemas.microsoft.com/office/drawing/2014/main" id="{3FB27EB6-E729-B949-9CD4-7FDA653EB1AB}"/>
+                <a16:creationId xmlns:a16="http://schemas.microsoft.com/office/drawing/2014/main" id="{951E7F93-FD32-4746-9433-DFA50CECEC44}"/>
               </a:ext>
             </a:extLst>
           </p:cNvPr>
@@ -4303,8 +4945,385 @@
         </p:blipFill>
         <p:spPr>
           <a:xfrm>
-            <a:off x="628650" y="2393363"/>
-            <a:ext cx="7886700" cy="3358247"/>
+            <a:off x="719924" y="1331220"/>
+            <a:ext cx="7420776" cy="4845744"/>
+          </a:xfrm>
+        </p:spPr>
+      </p:pic>
+    </p:spTree>
+    <p:extLst>
+      <p:ext uri="{BB962C8B-B14F-4D97-AF65-F5344CB8AC3E}">
+        <p14:creationId xmlns:p14="http://schemas.microsoft.com/office/powerpoint/2010/main" val="4092567659"/>
+      </p:ext>
+    </p:extLst>
+  </p:cSld>
+  <p:clrMapOvr>
+    <a:masterClrMapping/>
+  </p:clrMapOvr>
+</p:sld>
+</file>
+
+<file path=ppt/slides/slide4.xml><?xml version="1.0" encoding="utf-8"?>
+<p:sld xmlns:a="http://schemas.openxmlformats.org/drawingml/2006/main" xmlns:r="http://schemas.openxmlformats.org/officeDocument/2006/relationships" xmlns:p="http://schemas.openxmlformats.org/presentationml/2006/main">
+  <p:cSld>
+    <p:spTree>
+      <p:nvGrpSpPr>
+        <p:cNvPr id="1" name=""/>
+        <p:cNvGrpSpPr/>
+        <p:nvPr/>
+      </p:nvGrpSpPr>
+      <p:grpSpPr>
+        <a:xfrm>
+          <a:off x="0" y="0"/>
+          <a:ext cx="0" cy="0"/>
+          <a:chOff x="0" y="0"/>
+          <a:chExt cx="0" cy="0"/>
+        </a:xfrm>
+      </p:grpSpPr>
+      <p:sp>
+        <p:nvSpPr>
+          <p:cNvPr id="2" name="Title 1">
+            <a:extLst>
+              <a:ext uri="{FF2B5EF4-FFF2-40B4-BE49-F238E27FC236}">
+                <a16:creationId xmlns:a16="http://schemas.microsoft.com/office/drawing/2014/main" id="{04FBC9B3-770E-C740-BB8B-F9EFA5DE2BCC}"/>
+              </a:ext>
+            </a:extLst>
+          </p:cNvPr>
+          <p:cNvSpPr>
+            <a:spLocks noGrp="1"/>
+          </p:cNvSpPr>
+          <p:nvPr>
+            <p:ph type="title"/>
+          </p:nvPr>
+        </p:nvSpPr>
+        <p:spPr/>
+        <p:txBody>
+          <a:bodyPr/>
+          <a:lstStyle/>
+          <a:p>
+            <a:r>
+              <a:rPr lang="en-GB" dirty="0" err="1"/>
+              <a:t>Rstudio</a:t>
+            </a:r>
+            <a:endParaRPr lang="en-GB" dirty="0"/>
+          </a:p>
+        </p:txBody>
+      </p:sp>
+      <p:pic>
+        <p:nvPicPr>
+          <p:cNvPr id="5" name="Content Placeholder 4">
+            <a:extLst>
+              <a:ext uri="{FF2B5EF4-FFF2-40B4-BE49-F238E27FC236}">
+                <a16:creationId xmlns:a16="http://schemas.microsoft.com/office/drawing/2014/main" id="{951E7F93-FD32-4746-9433-DFA50CECEC44}"/>
+              </a:ext>
+            </a:extLst>
+          </p:cNvPr>
+          <p:cNvPicPr>
+            <a:picLocks noGrp="1" noChangeAspect="1"/>
+          </p:cNvPicPr>
+          <p:nvPr>
+            <p:ph idx="1"/>
+          </p:nvPr>
+        </p:nvPicPr>
+        <p:blipFill>
+          <a:blip r:embed="rId2"/>
+          <a:stretch>
+            <a:fillRect/>
+          </a:stretch>
+        </p:blipFill>
+        <p:spPr>
+          <a:xfrm>
+            <a:off x="1240178" y="1825625"/>
+            <a:ext cx="6663643" cy="4351338"/>
+          </a:xfrm>
+        </p:spPr>
+      </p:pic>
+      <p:sp>
+        <p:nvSpPr>
+          <p:cNvPr id="6" name="TextBox 5">
+            <a:extLst>
+              <a:ext uri="{FF2B5EF4-FFF2-40B4-BE49-F238E27FC236}">
+                <a16:creationId xmlns:a16="http://schemas.microsoft.com/office/drawing/2014/main" id="{27BE171E-C03E-6443-AF5A-E1D67AE3A397}"/>
+              </a:ext>
+            </a:extLst>
+          </p:cNvPr>
+          <p:cNvSpPr txBox="1"/>
+          <p:nvPr/>
+        </p:nvSpPr>
+        <p:spPr>
+          <a:xfrm>
+            <a:off x="953311" y="5048655"/>
+            <a:ext cx="3216009" cy="646331"/>
+          </a:xfrm>
+          <a:prstGeom prst="rect">
+            <a:avLst/>
+          </a:prstGeom>
+          <a:solidFill>
+            <a:schemeClr val="accent1">
+              <a:lumMod val="20000"/>
+              <a:lumOff val="80000"/>
+            </a:schemeClr>
+          </a:solidFill>
+        </p:spPr>
+        <p:txBody>
+          <a:bodyPr wrap="none" rtlCol="0">
+            <a:spAutoFit/>
+          </a:bodyPr>
+          <a:lstStyle/>
+          <a:p>
+            <a:r>
+              <a:rPr lang="en-GB" dirty="0"/>
+              <a:t>The </a:t>
+            </a:r>
+            <a:r>
+              <a:rPr lang="en-GB" b="1" dirty="0"/>
+              <a:t>console</a:t>
+            </a:r>
+            <a:r>
+              <a:rPr lang="en-GB" dirty="0"/>
+              <a:t> - here you can type </a:t>
+            </a:r>
+          </a:p>
+          <a:p>
+            <a:r>
+              <a:rPr lang="en-GB" dirty="0"/>
+              <a:t>commands and see output</a:t>
+            </a:r>
+          </a:p>
+        </p:txBody>
+      </p:sp>
+      <p:sp>
+        <p:nvSpPr>
+          <p:cNvPr id="7" name="TextBox 6">
+            <a:extLst>
+              <a:ext uri="{FF2B5EF4-FFF2-40B4-BE49-F238E27FC236}">
+                <a16:creationId xmlns:a16="http://schemas.microsoft.com/office/drawing/2014/main" id="{38464A6D-D2CE-8642-BF6E-F3283A1DD410}"/>
+              </a:ext>
+            </a:extLst>
+          </p:cNvPr>
+          <p:cNvSpPr txBox="1"/>
+          <p:nvPr/>
+        </p:nvSpPr>
+        <p:spPr>
+          <a:xfrm>
+            <a:off x="4571642" y="2603770"/>
+            <a:ext cx="3943708" cy="646331"/>
+          </a:xfrm>
+          <a:prstGeom prst="rect">
+            <a:avLst/>
+          </a:prstGeom>
+          <a:solidFill>
+            <a:schemeClr val="accent1">
+              <a:lumMod val="20000"/>
+              <a:lumOff val="80000"/>
+            </a:schemeClr>
+          </a:solidFill>
+        </p:spPr>
+        <p:txBody>
+          <a:bodyPr wrap="none" rtlCol="0">
+            <a:spAutoFit/>
+          </a:bodyPr>
+          <a:lstStyle/>
+          <a:p>
+            <a:pPr marL="285750" indent="-285750">
+              <a:buFont typeface="Arial" panose="020B0604020202020204" pitchFamily="34" charset="0"/>
+              <a:buChar char="•"/>
+            </a:pPr>
+            <a:r>
+              <a:rPr lang="en-GB" b="1" dirty="0"/>
+              <a:t>Environment</a:t>
+            </a:r>
+            <a:r>
+              <a:rPr lang="en-GB" dirty="0"/>
+              <a:t> will show active objects</a:t>
+            </a:r>
+          </a:p>
+          <a:p>
+            <a:pPr marL="285750" indent="-285750">
+              <a:buFont typeface="Arial" panose="020B0604020202020204" pitchFamily="34" charset="0"/>
+              <a:buChar char="•"/>
+            </a:pPr>
+            <a:r>
+              <a:rPr lang="en-GB" b="1" dirty="0"/>
+              <a:t>History </a:t>
+            </a:r>
+            <a:r>
+              <a:rPr lang="en-GB" dirty="0"/>
+              <a:t>commands used so far</a:t>
+            </a:r>
+            <a:endParaRPr lang="en-GB" b="1" dirty="0"/>
+          </a:p>
+        </p:txBody>
+      </p:sp>
+      <p:sp>
+        <p:nvSpPr>
+          <p:cNvPr id="8" name="TextBox 7">
+            <a:extLst>
+              <a:ext uri="{FF2B5EF4-FFF2-40B4-BE49-F238E27FC236}">
+                <a16:creationId xmlns:a16="http://schemas.microsoft.com/office/drawing/2014/main" id="{1A4B9B0B-7011-304E-9441-3188CD26EAC4}"/>
+              </a:ext>
+            </a:extLst>
+          </p:cNvPr>
+          <p:cNvSpPr txBox="1"/>
+          <p:nvPr/>
+        </p:nvSpPr>
+        <p:spPr>
+          <a:xfrm>
+            <a:off x="5200293" y="5048654"/>
+            <a:ext cx="3216009" cy="1200329"/>
+          </a:xfrm>
+          <a:prstGeom prst="rect">
+            <a:avLst/>
+          </a:prstGeom>
+          <a:solidFill>
+            <a:schemeClr val="accent1">
+              <a:lumMod val="20000"/>
+              <a:lumOff val="80000"/>
+            </a:schemeClr>
+          </a:solidFill>
+        </p:spPr>
+        <p:txBody>
+          <a:bodyPr wrap="square" rtlCol="0">
+            <a:spAutoFit/>
+          </a:bodyPr>
+          <a:lstStyle/>
+          <a:p>
+            <a:pPr marL="285750" indent="-285750">
+              <a:buFont typeface="Arial" panose="020B0604020202020204" pitchFamily="34" charset="0"/>
+              <a:buChar char="•"/>
+            </a:pPr>
+            <a:r>
+              <a:rPr lang="en-GB" dirty="0"/>
+              <a:t>In this panel you can find </a:t>
+            </a:r>
+            <a:r>
+              <a:rPr lang="en-GB" b="1" dirty="0"/>
+              <a:t>files</a:t>
+            </a:r>
+            <a:r>
+              <a:rPr lang="en-GB" dirty="0"/>
+              <a:t> and </a:t>
+            </a:r>
+            <a:r>
+              <a:rPr lang="en-GB" b="1" dirty="0"/>
+              <a:t>folders</a:t>
+            </a:r>
+            <a:r>
+              <a:rPr lang="en-GB" dirty="0"/>
+              <a:t>, </a:t>
+            </a:r>
+            <a:r>
+              <a:rPr lang="en-GB" b="1" dirty="0"/>
+              <a:t>plots</a:t>
+            </a:r>
+            <a:r>
+              <a:rPr lang="en-GB" dirty="0"/>
+              <a:t>, available </a:t>
+            </a:r>
+            <a:r>
+              <a:rPr lang="en-GB" b="1" dirty="0"/>
+              <a:t>packages </a:t>
+            </a:r>
+            <a:r>
+              <a:rPr lang="en-GB" dirty="0"/>
+              <a:t>and the</a:t>
+            </a:r>
+            <a:r>
+              <a:rPr lang="en-GB" b="1" dirty="0"/>
+              <a:t> </a:t>
+            </a:r>
+            <a:r>
+              <a:rPr lang="en-GB" dirty="0"/>
+              <a:t>help</a:t>
+            </a:r>
+            <a:r>
+              <a:rPr lang="en-GB" b="1" dirty="0"/>
+              <a:t> screen</a:t>
+            </a:r>
+          </a:p>
+        </p:txBody>
+      </p:sp>
+    </p:spTree>
+    <p:extLst>
+      <p:ext uri="{BB962C8B-B14F-4D97-AF65-F5344CB8AC3E}">
+        <p14:creationId xmlns:p14="http://schemas.microsoft.com/office/powerpoint/2010/main" val="2826098425"/>
+      </p:ext>
+    </p:extLst>
+  </p:cSld>
+  <p:clrMapOvr>
+    <a:masterClrMapping/>
+  </p:clrMapOvr>
+</p:sld>
+</file>
+
+<file path=ppt/slides/slide5.xml><?xml version="1.0" encoding="utf-8"?>
+<p:sld xmlns:a="http://schemas.openxmlformats.org/drawingml/2006/main" xmlns:r="http://schemas.openxmlformats.org/officeDocument/2006/relationships" xmlns:p="http://schemas.openxmlformats.org/presentationml/2006/main">
+  <p:cSld>
+    <p:spTree>
+      <p:nvGrpSpPr>
+        <p:cNvPr id="1" name=""/>
+        <p:cNvGrpSpPr/>
+        <p:nvPr/>
+      </p:nvGrpSpPr>
+      <p:grpSpPr>
+        <a:xfrm>
+          <a:off x="0" y="0"/>
+          <a:ext cx="0" cy="0"/>
+          <a:chOff x="0" y="0"/>
+          <a:chExt cx="0" cy="0"/>
+        </a:xfrm>
+      </p:grpSpPr>
+      <p:sp>
+        <p:nvSpPr>
+          <p:cNvPr id="2" name="Title 1">
+            <a:extLst>
+              <a:ext uri="{FF2B5EF4-FFF2-40B4-BE49-F238E27FC236}">
+                <a16:creationId xmlns:a16="http://schemas.microsoft.com/office/drawing/2014/main" id="{108163EB-376C-7942-9128-BCB3E9B8F272}"/>
+              </a:ext>
+            </a:extLst>
+          </p:cNvPr>
+          <p:cNvSpPr>
+            <a:spLocks noGrp="1"/>
+          </p:cNvSpPr>
+          <p:nvPr>
+            <p:ph type="title"/>
+          </p:nvPr>
+        </p:nvSpPr>
+        <p:spPr/>
+        <p:txBody>
+          <a:bodyPr/>
+          <a:lstStyle/>
+          <a:p>
+            <a:endParaRPr lang="en-GB"/>
+          </a:p>
+        </p:txBody>
+      </p:sp>
+      <p:pic>
+        <p:nvPicPr>
+          <p:cNvPr id="5" name="Content Placeholder 4">
+            <a:extLst>
+              <a:ext uri="{FF2B5EF4-FFF2-40B4-BE49-F238E27FC236}">
+                <a16:creationId xmlns:a16="http://schemas.microsoft.com/office/drawing/2014/main" id="{3FB27EB6-E729-B949-9CD4-7FDA653EB1AB}"/>
+              </a:ext>
+            </a:extLst>
+          </p:cNvPr>
+          <p:cNvPicPr>
+            <a:picLocks noGrp="1" noChangeAspect="1"/>
+          </p:cNvPicPr>
+          <p:nvPr>
+            <p:ph idx="1"/>
+          </p:nvPr>
+        </p:nvPicPr>
+        <p:blipFill>
+          <a:blip r:embed="rId2"/>
+          <a:stretch>
+            <a:fillRect/>
+          </a:stretch>
+        </p:blipFill>
+        <p:spPr>
+          <a:xfrm>
+            <a:off x="628650" y="2325218"/>
+            <a:ext cx="7886700" cy="3352152"/>
           </a:xfrm>
         </p:spPr>
       </p:pic>
@@ -4419,7 +5438,7 @@
 </p:sld>
 </file>
 
-<file path=ppt/slides/slide4.xml><?xml version="1.0" encoding="utf-8"?>
+<file path=ppt/slides/slide6.xml><?xml version="1.0" encoding="utf-8"?>
 <p:sld xmlns:a="http://schemas.openxmlformats.org/drawingml/2006/main" xmlns:r="http://schemas.openxmlformats.org/officeDocument/2006/relationships" xmlns:p="http://schemas.openxmlformats.org/presentationml/2006/main">
   <p:cSld>
     <p:spTree>
@@ -4550,7 +5569,7 @@
 </p:sld>
 </file>
 
-<file path=ppt/slides/slide5.xml><?xml version="1.0" encoding="utf-8"?>
+<file path=ppt/slides/slide7.xml><?xml version="1.0" encoding="utf-8"?>
 <p:sld xmlns:a="http://schemas.openxmlformats.org/drawingml/2006/main" xmlns:r="http://schemas.openxmlformats.org/officeDocument/2006/relationships" xmlns:p="http://schemas.openxmlformats.org/presentationml/2006/main">
   <p:cSld>
     <p:spTree>
@@ -4725,7 +5744,7 @@
 </p:sld>
 </file>
 
-<file path=ppt/slides/slide6.xml><?xml version="1.0" encoding="utf-8"?>
+<file path=ppt/slides/slide8.xml><?xml version="1.0" encoding="utf-8"?>
 <p:sld xmlns:a="http://schemas.openxmlformats.org/drawingml/2006/main" xmlns:r="http://schemas.openxmlformats.org/officeDocument/2006/relationships" xmlns:p="http://schemas.openxmlformats.org/presentationml/2006/main">
   <p:cSld>
     <p:spTree>
@@ -4794,8 +5813,8 @@
         </p:blipFill>
         <p:spPr>
           <a:xfrm>
-            <a:off x="1922147" y="1825625"/>
-            <a:ext cx="5299706" cy="4351338"/>
+            <a:off x="2762250" y="2515394"/>
+            <a:ext cx="3619500" cy="2971800"/>
           </a:xfrm>
         </p:spPr>
       </p:pic>
@@ -4812,7 +5831,7 @@
 </p:sld>
 </file>
 
-<file path=ppt/slides/slide7.xml><?xml version="1.0" encoding="utf-8"?>
+<file path=ppt/slides/slide9.xml><?xml version="1.0" encoding="utf-8"?>
 <p:sld xmlns:a="http://schemas.openxmlformats.org/drawingml/2006/main" xmlns:r="http://schemas.openxmlformats.org/officeDocument/2006/relationships" xmlns:p="http://schemas.openxmlformats.org/presentationml/2006/main">
   <p:cSld>
     <p:spTree>
@@ -5008,488 +6027,10 @@
 </p:sld>
 </file>
 
-<file path=ppt/slides/slide8.xml><?xml version="1.0" encoding="utf-8"?>
-<p:sld xmlns:a="http://schemas.openxmlformats.org/drawingml/2006/main" xmlns:r="http://schemas.openxmlformats.org/officeDocument/2006/relationships" xmlns:p="http://schemas.openxmlformats.org/presentationml/2006/main">
-  <p:cSld>
-    <p:spTree>
-      <p:nvGrpSpPr>
-        <p:cNvPr id="1" name=""/>
-        <p:cNvGrpSpPr/>
-        <p:nvPr/>
-      </p:nvGrpSpPr>
-      <p:grpSpPr>
-        <a:xfrm>
-          <a:off x="0" y="0"/>
-          <a:ext cx="0" cy="0"/>
-          <a:chOff x="0" y="0"/>
-          <a:chExt cx="0" cy="0"/>
-        </a:xfrm>
-      </p:grpSpPr>
-      <p:pic>
-        <p:nvPicPr>
-          <p:cNvPr id="17" name="Content Placeholder 16">
-            <a:extLst>
-              <a:ext uri="{FF2B5EF4-FFF2-40B4-BE49-F238E27FC236}">
-                <a16:creationId xmlns:a16="http://schemas.microsoft.com/office/drawing/2014/main" id="{866B17D5-896B-4145-8AA0-9671124F0464}"/>
-              </a:ext>
-            </a:extLst>
-          </p:cNvPr>
-          <p:cNvPicPr>
-            <a:picLocks noGrp="1" noChangeAspect="1"/>
-          </p:cNvPicPr>
-          <p:nvPr>
-            <p:ph idx="1"/>
-          </p:nvPr>
-        </p:nvPicPr>
-        <p:blipFill rotWithShape="1">
-          <a:blip r:embed="rId2"/>
-          <a:srcRect b="59257"/>
-          <a:stretch/>
-        </p:blipFill>
-        <p:spPr>
-          <a:xfrm>
-            <a:off x="709132" y="2141568"/>
-            <a:ext cx="5262824" cy="1448404"/>
-          </a:xfrm>
-        </p:spPr>
-      </p:pic>
-      <p:pic>
-        <p:nvPicPr>
-          <p:cNvPr id="19" name="Picture 18">
-            <a:extLst>
-              <a:ext uri="{FF2B5EF4-FFF2-40B4-BE49-F238E27FC236}">
-                <a16:creationId xmlns:a16="http://schemas.microsoft.com/office/drawing/2014/main" id="{6FD94A04-5AB8-3B4E-AD43-62D3060A0D36}"/>
-              </a:ext>
-            </a:extLst>
-          </p:cNvPr>
-          <p:cNvPicPr>
-            <a:picLocks noChangeAspect="1"/>
-          </p:cNvPicPr>
-          <p:nvPr/>
-        </p:nvPicPr>
-        <p:blipFill rotWithShape="1">
-          <a:blip r:embed="rId3"/>
-          <a:srcRect b="60433"/>
-          <a:stretch/>
-        </p:blipFill>
-        <p:spPr>
-          <a:xfrm>
-            <a:off x="709132" y="4339551"/>
-            <a:ext cx="5026572" cy="1448405"/>
-          </a:xfrm>
-          <a:prstGeom prst="rect">
-            <a:avLst/>
-          </a:prstGeom>
-        </p:spPr>
-      </p:pic>
-      <p:sp>
-        <p:nvSpPr>
-          <p:cNvPr id="20" name="Title 1">
-            <a:extLst>
-              <a:ext uri="{FF2B5EF4-FFF2-40B4-BE49-F238E27FC236}">
-                <a16:creationId xmlns:a16="http://schemas.microsoft.com/office/drawing/2014/main" id="{67096DA9-0150-5647-974E-6237783D2619}"/>
-              </a:ext>
-            </a:extLst>
-          </p:cNvPr>
-          <p:cNvSpPr>
-            <a:spLocks noGrp="1"/>
-          </p:cNvSpPr>
-          <p:nvPr>
-            <p:ph type="title"/>
-          </p:nvPr>
-        </p:nvSpPr>
-        <p:spPr>
-          <a:xfrm>
-            <a:off x="628650" y="365126"/>
-            <a:ext cx="7886700" cy="1325563"/>
-          </a:xfrm>
-        </p:spPr>
-        <p:txBody>
-          <a:bodyPr/>
-          <a:lstStyle/>
-          <a:p>
-            <a:r>
-              <a:rPr lang="en-GB" dirty="0"/>
-              <a:t>Using Scripts</a:t>
-            </a:r>
-          </a:p>
-        </p:txBody>
-      </p:sp>
-      <p:sp>
-        <p:nvSpPr>
-          <p:cNvPr id="21" name="TextBox 20">
-            <a:extLst>
-              <a:ext uri="{FF2B5EF4-FFF2-40B4-BE49-F238E27FC236}">
-                <a16:creationId xmlns:a16="http://schemas.microsoft.com/office/drawing/2014/main" id="{439638B3-6643-AF45-9872-C5678AF5AFFA}"/>
-              </a:ext>
-            </a:extLst>
-          </p:cNvPr>
-          <p:cNvSpPr txBox="1"/>
-          <p:nvPr/>
-        </p:nvSpPr>
-        <p:spPr>
-          <a:xfrm>
-            <a:off x="709132" y="1620057"/>
-            <a:ext cx="6634264" cy="369332"/>
-          </a:xfrm>
-          <a:prstGeom prst="rect">
-            <a:avLst/>
-          </a:prstGeom>
-          <a:noFill/>
-        </p:spPr>
-        <p:txBody>
-          <a:bodyPr wrap="square" rtlCol="0">
-            <a:spAutoFit/>
-          </a:bodyPr>
-          <a:lstStyle/>
-          <a:p>
-            <a:r>
-              <a:rPr lang="en-GB" dirty="0"/>
-              <a:t>Click icon with a document and a + sign</a:t>
-            </a:r>
-          </a:p>
-        </p:txBody>
-      </p:sp>
-      <p:sp>
-        <p:nvSpPr>
-          <p:cNvPr id="22" name="TextBox 21">
-            <a:extLst>
-              <a:ext uri="{FF2B5EF4-FFF2-40B4-BE49-F238E27FC236}">
-                <a16:creationId xmlns:a16="http://schemas.microsoft.com/office/drawing/2014/main" id="{E5ACC6CB-6E78-7D46-BB8C-EA02956C9D90}"/>
-              </a:ext>
-            </a:extLst>
-          </p:cNvPr>
-          <p:cNvSpPr txBox="1"/>
-          <p:nvPr/>
-        </p:nvSpPr>
-        <p:spPr>
-          <a:xfrm>
-            <a:off x="709132" y="3856185"/>
-            <a:ext cx="6634264" cy="369332"/>
-          </a:xfrm>
-          <a:prstGeom prst="rect">
-            <a:avLst/>
-          </a:prstGeom>
-          <a:noFill/>
-        </p:spPr>
-        <p:txBody>
-          <a:bodyPr wrap="square" rtlCol="0">
-            <a:spAutoFit/>
-          </a:bodyPr>
-          <a:lstStyle/>
-          <a:p>
-            <a:r>
-              <a:rPr lang="en-GB" dirty="0"/>
-              <a:t>OR click File -&gt; New File -&gt; R Script</a:t>
-            </a:r>
-          </a:p>
-        </p:txBody>
-      </p:sp>
-    </p:spTree>
-    <p:extLst>
-      <p:ext uri="{BB962C8B-B14F-4D97-AF65-F5344CB8AC3E}">
-        <p14:creationId xmlns:p14="http://schemas.microsoft.com/office/powerpoint/2010/main" val="1955834686"/>
-      </p:ext>
-    </p:extLst>
-  </p:cSld>
-  <p:clrMapOvr>
-    <a:masterClrMapping/>
-  </p:clrMapOvr>
-</p:sld>
-</file>
-
-<file path=ppt/slides/slide9.xml><?xml version="1.0" encoding="utf-8"?>
-<p:sld xmlns:a="http://schemas.openxmlformats.org/drawingml/2006/main" xmlns:r="http://schemas.openxmlformats.org/officeDocument/2006/relationships" xmlns:p="http://schemas.openxmlformats.org/presentationml/2006/main">
-  <p:cSld>
-    <p:spTree>
-      <p:nvGrpSpPr>
-        <p:cNvPr id="1" name=""/>
-        <p:cNvGrpSpPr/>
-        <p:nvPr/>
-      </p:nvGrpSpPr>
-      <p:grpSpPr>
-        <a:xfrm>
-          <a:off x="0" y="0"/>
-          <a:ext cx="0" cy="0"/>
-          <a:chOff x="0" y="0"/>
-          <a:chExt cx="0" cy="0"/>
-        </a:xfrm>
-      </p:grpSpPr>
-      <p:sp>
-        <p:nvSpPr>
-          <p:cNvPr id="2" name="Title 1">
-            <a:extLst>
-              <a:ext uri="{FF2B5EF4-FFF2-40B4-BE49-F238E27FC236}">
-                <a16:creationId xmlns:a16="http://schemas.microsoft.com/office/drawing/2014/main" id="{2C198F58-6319-B047-A3A4-4AD6A70D3B0C}"/>
-              </a:ext>
-            </a:extLst>
-          </p:cNvPr>
-          <p:cNvSpPr>
-            <a:spLocks noGrp="1"/>
-          </p:cNvSpPr>
-          <p:nvPr>
-            <p:ph type="title"/>
-          </p:nvPr>
-        </p:nvSpPr>
-        <p:spPr/>
-        <p:txBody>
-          <a:bodyPr/>
-          <a:lstStyle/>
-          <a:p>
-            <a:r>
-              <a:rPr lang="en-GB" dirty="0"/>
-              <a:t>Using Scripts</a:t>
-            </a:r>
-          </a:p>
-        </p:txBody>
-      </p:sp>
-      <p:sp>
-        <p:nvSpPr>
-          <p:cNvPr id="3" name="Content Placeholder 2">
-            <a:extLst>
-              <a:ext uri="{FF2B5EF4-FFF2-40B4-BE49-F238E27FC236}">
-                <a16:creationId xmlns:a16="http://schemas.microsoft.com/office/drawing/2014/main" id="{06C277D0-9F63-3344-AB84-47CF84FDC8BC}"/>
-              </a:ext>
-            </a:extLst>
-          </p:cNvPr>
-          <p:cNvSpPr>
-            <a:spLocks noGrp="1"/>
-          </p:cNvSpPr>
-          <p:nvPr>
-            <p:ph idx="1"/>
-          </p:nvPr>
-        </p:nvSpPr>
-        <p:spPr/>
-        <p:txBody>
-          <a:bodyPr/>
-          <a:lstStyle/>
-          <a:p>
-            <a:endParaRPr lang="en-GB" dirty="0"/>
-          </a:p>
-        </p:txBody>
-      </p:sp>
-      <p:pic>
-        <p:nvPicPr>
-          <p:cNvPr id="4" name="Content Placeholder 12">
-            <a:extLst>
-              <a:ext uri="{FF2B5EF4-FFF2-40B4-BE49-F238E27FC236}">
-                <a16:creationId xmlns:a16="http://schemas.microsoft.com/office/drawing/2014/main" id="{ACAF278E-BE6B-494C-818D-9905EAA0EB78}"/>
-              </a:ext>
-            </a:extLst>
-          </p:cNvPr>
-          <p:cNvPicPr>
-            <a:picLocks noChangeAspect="1"/>
-          </p:cNvPicPr>
-          <p:nvPr/>
-        </p:nvPicPr>
-        <p:blipFill>
-          <a:blip r:embed="rId2"/>
-          <a:stretch>
-            <a:fillRect/>
-          </a:stretch>
-        </p:blipFill>
-        <p:spPr>
-          <a:xfrm>
-            <a:off x="628650" y="1825625"/>
-            <a:ext cx="7886700" cy="4021036"/>
-          </a:xfrm>
-          <a:prstGeom prst="rect">
-            <a:avLst/>
-          </a:prstGeom>
-        </p:spPr>
-      </p:pic>
-      <p:sp>
-        <p:nvSpPr>
-          <p:cNvPr id="5" name="TextBox 4">
-            <a:extLst>
-              <a:ext uri="{FF2B5EF4-FFF2-40B4-BE49-F238E27FC236}">
-                <a16:creationId xmlns:a16="http://schemas.microsoft.com/office/drawing/2014/main" id="{0F117CA2-B2D5-7B46-BC4D-B9E986DE52F0}"/>
-              </a:ext>
-            </a:extLst>
-          </p:cNvPr>
-          <p:cNvSpPr txBox="1"/>
-          <p:nvPr/>
-        </p:nvSpPr>
-        <p:spPr>
-          <a:xfrm>
-            <a:off x="5447131" y="3887821"/>
-            <a:ext cx="3347455" cy="369332"/>
-          </a:xfrm>
-          <a:prstGeom prst="rect">
-            <a:avLst/>
-          </a:prstGeom>
-          <a:solidFill>
-            <a:schemeClr val="accent1">
-              <a:lumMod val="20000"/>
-              <a:lumOff val="80000"/>
-            </a:schemeClr>
-          </a:solidFill>
-        </p:spPr>
-        <p:txBody>
-          <a:bodyPr wrap="none" rtlCol="0">
-            <a:spAutoFit/>
-          </a:bodyPr>
-          <a:lstStyle/>
-          <a:p>
-            <a:pPr marL="285750" indent="-285750">
-              <a:buFont typeface="Arial" panose="020B0604020202020204" pitchFamily="34" charset="0"/>
-              <a:buChar char="•"/>
-            </a:pPr>
-            <a:r>
-              <a:rPr lang="en-GB" b="1" dirty="0"/>
-              <a:t>Environment </a:t>
-            </a:r>
-            <a:r>
-              <a:rPr lang="en-GB" dirty="0"/>
-              <a:t>shows the object</a:t>
-            </a:r>
-            <a:endParaRPr lang="en-GB" b="1" dirty="0"/>
-          </a:p>
-        </p:txBody>
-      </p:sp>
-      <p:sp>
-        <p:nvSpPr>
-          <p:cNvPr id="6" name="TextBox 5">
-            <a:extLst>
-              <a:ext uri="{FF2B5EF4-FFF2-40B4-BE49-F238E27FC236}">
-                <a16:creationId xmlns:a16="http://schemas.microsoft.com/office/drawing/2014/main" id="{78A01FC2-AB5D-6845-BF80-8D8872379361}"/>
-              </a:ext>
-            </a:extLst>
-          </p:cNvPr>
-          <p:cNvSpPr txBox="1"/>
-          <p:nvPr/>
-        </p:nvSpPr>
-        <p:spPr>
-          <a:xfrm>
-            <a:off x="1099251" y="3333823"/>
-            <a:ext cx="3817648" cy="1200329"/>
-          </a:xfrm>
-          <a:prstGeom prst="rect">
-            <a:avLst/>
-          </a:prstGeom>
-          <a:solidFill>
-            <a:schemeClr val="accent1">
-              <a:lumMod val="20000"/>
-              <a:lumOff val="80000"/>
-            </a:schemeClr>
-          </a:solidFill>
-        </p:spPr>
-        <p:txBody>
-          <a:bodyPr wrap="none" rtlCol="0">
-            <a:spAutoFit/>
-          </a:bodyPr>
-          <a:lstStyle/>
-          <a:p>
-            <a:pPr marL="285750" indent="-285750">
-              <a:buFont typeface="Arial" panose="020B0604020202020204" pitchFamily="34" charset="0"/>
-              <a:buChar char="•"/>
-            </a:pPr>
-            <a:r>
-              <a:rPr lang="en-GB" dirty="0"/>
-              <a:t>Write in the script, execute lines by </a:t>
-            </a:r>
-          </a:p>
-          <a:p>
-            <a:pPr marL="285750" indent="-285750">
-              <a:buFont typeface="Arial" panose="020B0604020202020204" pitchFamily="34" charset="0"/>
-              <a:buChar char="•"/>
-            </a:pPr>
-            <a:r>
-              <a:rPr lang="en-GB" dirty="0" err="1"/>
-              <a:t>cmd+R</a:t>
-            </a:r>
-            <a:r>
-              <a:rPr lang="en-GB" dirty="0"/>
-              <a:t> (mac)</a:t>
-            </a:r>
-          </a:p>
-          <a:p>
-            <a:pPr marL="285750" indent="-285750">
-              <a:buFont typeface="Arial" panose="020B0604020202020204" pitchFamily="34" charset="0"/>
-              <a:buChar char="•"/>
-            </a:pPr>
-            <a:r>
-              <a:rPr lang="en-GB" dirty="0" err="1"/>
-              <a:t>Ctrl+R</a:t>
-            </a:r>
-            <a:r>
-              <a:rPr lang="en-GB" dirty="0"/>
-              <a:t> (win)</a:t>
-            </a:r>
-          </a:p>
-          <a:p>
-            <a:pPr marL="285750" indent="-285750">
-              <a:buFont typeface="Arial" panose="020B0604020202020204" pitchFamily="34" charset="0"/>
-              <a:buChar char="•"/>
-            </a:pPr>
-            <a:r>
-              <a:rPr lang="en-GB" dirty="0"/>
-              <a:t>Remember to annotate!!!</a:t>
-            </a:r>
-          </a:p>
-        </p:txBody>
-      </p:sp>
-      <p:sp>
-        <p:nvSpPr>
-          <p:cNvPr id="7" name="TextBox 6">
-            <a:extLst>
-              <a:ext uri="{FF2B5EF4-FFF2-40B4-BE49-F238E27FC236}">
-                <a16:creationId xmlns:a16="http://schemas.microsoft.com/office/drawing/2014/main" id="{60E1B96B-D73C-3A45-B7B7-D2EA856A9F72}"/>
-              </a:ext>
-            </a:extLst>
-          </p:cNvPr>
-          <p:cNvSpPr txBox="1"/>
-          <p:nvPr/>
-        </p:nvSpPr>
-        <p:spPr>
-          <a:xfrm>
-            <a:off x="1251651" y="5715298"/>
-            <a:ext cx="2511906" cy="369332"/>
-          </a:xfrm>
-          <a:prstGeom prst="rect">
-            <a:avLst/>
-          </a:prstGeom>
-          <a:solidFill>
-            <a:schemeClr val="accent1">
-              <a:lumMod val="20000"/>
-              <a:lumOff val="80000"/>
-            </a:schemeClr>
-          </a:solidFill>
-        </p:spPr>
-        <p:txBody>
-          <a:bodyPr wrap="none" rtlCol="0">
-            <a:spAutoFit/>
-          </a:bodyPr>
-          <a:lstStyle/>
-          <a:p>
-            <a:pPr marL="285750" indent="-285750">
-              <a:buFont typeface="Arial" panose="020B0604020202020204" pitchFamily="34" charset="0"/>
-              <a:buChar char="•"/>
-            </a:pPr>
-            <a:r>
-              <a:rPr lang="en-GB" dirty="0"/>
-              <a:t>Output in the console</a:t>
-            </a:r>
-          </a:p>
-        </p:txBody>
-      </p:sp>
-    </p:spTree>
-    <p:extLst>
-      <p:ext uri="{BB962C8B-B14F-4D97-AF65-F5344CB8AC3E}">
-        <p14:creationId xmlns:p14="http://schemas.microsoft.com/office/powerpoint/2010/main" val="143904933"/>
-      </p:ext>
-    </p:extLst>
-  </p:cSld>
-  <p:clrMapOvr>
-    <a:masterClrMapping/>
-  </p:clrMapOvr>
-</p:sld>
-</file>
-
 <file path=ppt/theme/theme1.xml><?xml version="1.0" encoding="utf-8"?>
 <a:theme xmlns:a="http://schemas.openxmlformats.org/drawingml/2006/main" name="Office Theme">
   <a:themeElements>
-    <a:clrScheme name="Office Theme">
+    <a:clrScheme name="Office">
       <a:dk1>
         <a:sysClr val="windowText" lastClr="000000"/>
       </a:dk1>
@@ -5527,7 +6068,7 @@
         <a:srgbClr val="954F72"/>
       </a:folHlink>
     </a:clrScheme>
-    <a:fontScheme name="Office Theme">
+    <a:fontScheme name="Office">
       <a:majorFont>
         <a:latin typeface="Calibri Light" panose="020F0302020204030204"/>
         <a:ea typeface=""/>
@@ -5562,6 +6103,23 @@
         <a:font script="Viet" typeface="Times New Roman"/>
         <a:font script="Uigh" typeface="Microsoft Uighur"/>
         <a:font script="Geor" typeface="Sylfaen"/>
+        <a:font script="Armn" typeface="Arial"/>
+        <a:font script="Bugi" typeface="Leelawadee UI"/>
+        <a:font script="Bopo" typeface="Microsoft JhengHei"/>
+        <a:font script="Java" typeface="Javanese Text"/>
+        <a:font script="Lisu" typeface="Segoe UI"/>
+        <a:font script="Mymr" typeface="Myanmar Text"/>
+        <a:font script="Nkoo" typeface="Ebrima"/>
+        <a:font script="Olck" typeface="Nirmala UI"/>
+        <a:font script="Osma" typeface="Ebrima"/>
+        <a:font script="Phag" typeface="Phagspa"/>
+        <a:font script="Syrn" typeface="Estrangelo Edessa"/>
+        <a:font script="Syrj" typeface="Estrangelo Edessa"/>
+        <a:font script="Syre" typeface="Estrangelo Edessa"/>
+        <a:font script="Sora" typeface="Nirmala UI"/>
+        <a:font script="Tale" typeface="Microsoft Tai Le"/>
+        <a:font script="Talu" typeface="Microsoft New Tai Lue"/>
+        <a:font script="Tfng" typeface="Ebrima"/>
       </a:majorFont>
       <a:minorFont>
         <a:latin typeface="Calibri" panose="020F0502020204030204"/>
@@ -5597,9 +6155,26 @@
         <a:font script="Viet" typeface="Arial"/>
         <a:font script="Uigh" typeface="Microsoft Uighur"/>
         <a:font script="Geor" typeface="Sylfaen"/>
+        <a:font script="Armn" typeface="Arial"/>
+        <a:font script="Bugi" typeface="Leelawadee UI"/>
+        <a:font script="Bopo" typeface="Microsoft JhengHei"/>
+        <a:font script="Java" typeface="Javanese Text"/>
+        <a:font script="Lisu" typeface="Segoe UI"/>
+        <a:font script="Mymr" typeface="Myanmar Text"/>
+        <a:font script="Nkoo" typeface="Ebrima"/>
+        <a:font script="Olck" typeface="Nirmala UI"/>
+        <a:font script="Osma" typeface="Ebrima"/>
+        <a:font script="Phag" typeface="Phagspa"/>
+        <a:font script="Syrn" typeface="Estrangelo Edessa"/>
+        <a:font script="Syrj" typeface="Estrangelo Edessa"/>
+        <a:font script="Syre" typeface="Estrangelo Edessa"/>
+        <a:font script="Sora" typeface="Nirmala UI"/>
+        <a:font script="Tale" typeface="Microsoft Tai Le"/>
+        <a:font script="Talu" typeface="Microsoft New Tai Lue"/>
+        <a:font script="Tfng" typeface="Ebrima"/>
       </a:minorFont>
     </a:fontScheme>
-    <a:fmtScheme name="Office Theme">
+    <a:fmtScheme name="Office">
       <a:fillStyleLst>
         <a:solidFill>
           <a:schemeClr val="phClr"/>

--- a/Intro to Rstudio/RStudio_intro.pptx
+++ b/Intro to Rstudio/RStudio_intro.pptx
@@ -4147,7 +4147,7 @@
         </p:blipFill>
         <p:spPr>
           <a:xfrm>
-            <a:off x="1735518" y="2738296"/>
+            <a:off x="2122627" y="2555002"/>
             <a:ext cx="4898746" cy="3937872"/>
           </a:xfrm>
           <a:prstGeom prst="rect">
